--- a/Refactoring/Refactoring 0~1.3.pptx
+++ b/Refactoring/Refactoring 0~1.3.pptx
@@ -32,7 +32,8 @@
     <p:sldId id="288" r:id="rId26"/>
     <p:sldId id="289" r:id="rId27"/>
     <p:sldId id="290" r:id="rId28"/>
-    <p:sldId id="291" r:id="rId29"/>
+    <p:sldId id="292" r:id="rId29"/>
+    <p:sldId id="291" r:id="rId30"/>
   </p:sldIdLst>
   <p:sldSz cx="9144000" cy="6858000" type="screen4x3"/>
   <p:notesSz cx="6858000" cy="9144000"/>
@@ -324,7 +325,7 @@
             <a:fld id="{C25792BD-C431-42B0-9B3B-215FCDEECBA4}" type="datetimeFigureOut">
               <a:rPr lang="zh-TW" altLang="en-US" smtClean="0"/>
               <a:pPr/>
-              <a:t>2015/5/29</a:t>
+              <a:t>2015/6/3</a:t>
             </a:fld>
             <a:endParaRPr lang="zh-TW" altLang="en-US"/>
           </a:p>
@@ -491,7 +492,7 @@
             <a:fld id="{C25792BD-C431-42B0-9B3B-215FCDEECBA4}" type="datetimeFigureOut">
               <a:rPr lang="zh-TW" altLang="en-US" smtClean="0"/>
               <a:pPr/>
-              <a:t>2015/5/29</a:t>
+              <a:t>2015/6/3</a:t>
             </a:fld>
             <a:endParaRPr lang="zh-TW" altLang="en-US"/>
           </a:p>
@@ -668,7 +669,7 @@
             <a:fld id="{C25792BD-C431-42B0-9B3B-215FCDEECBA4}" type="datetimeFigureOut">
               <a:rPr lang="zh-TW" altLang="en-US" smtClean="0"/>
               <a:pPr/>
-              <a:t>2015/5/29</a:t>
+              <a:t>2015/6/3</a:t>
             </a:fld>
             <a:endParaRPr lang="zh-TW" altLang="en-US"/>
           </a:p>
@@ -835,7 +836,7 @@
             <a:fld id="{C25792BD-C431-42B0-9B3B-215FCDEECBA4}" type="datetimeFigureOut">
               <a:rPr lang="zh-TW" altLang="en-US" smtClean="0"/>
               <a:pPr/>
-              <a:t>2015/5/29</a:t>
+              <a:t>2015/6/3</a:t>
             </a:fld>
             <a:endParaRPr lang="zh-TW" altLang="en-US"/>
           </a:p>
@@ -1079,7 +1080,7 @@
             <a:fld id="{C25792BD-C431-42B0-9B3B-215FCDEECBA4}" type="datetimeFigureOut">
               <a:rPr lang="zh-TW" altLang="en-US" smtClean="0"/>
               <a:pPr/>
-              <a:t>2015/5/29</a:t>
+              <a:t>2015/6/3</a:t>
             </a:fld>
             <a:endParaRPr lang="zh-TW" altLang="en-US"/>
           </a:p>
@@ -1345,7 +1346,7 @@
             <a:fld id="{C25792BD-C431-42B0-9B3B-215FCDEECBA4}" type="datetimeFigureOut">
               <a:rPr lang="zh-TW" altLang="en-US" smtClean="0"/>
               <a:pPr/>
-              <a:t>2015/5/29</a:t>
+              <a:t>2015/6/3</a:t>
             </a:fld>
             <a:endParaRPr lang="zh-TW" altLang="en-US"/>
           </a:p>
@@ -1725,7 +1726,7 @@
             <a:fld id="{C25792BD-C431-42B0-9B3B-215FCDEECBA4}" type="datetimeFigureOut">
               <a:rPr lang="zh-TW" altLang="en-US" smtClean="0"/>
               <a:pPr/>
-              <a:t>2015/5/29</a:t>
+              <a:t>2015/6/3</a:t>
             </a:fld>
             <a:endParaRPr lang="zh-TW" altLang="en-US"/>
           </a:p>
@@ -1877,7 +1878,7 @@
             <a:fld id="{C25792BD-C431-42B0-9B3B-215FCDEECBA4}" type="datetimeFigureOut">
               <a:rPr lang="zh-TW" altLang="en-US" smtClean="0"/>
               <a:pPr/>
-              <a:t>2015/5/29</a:t>
+              <a:t>2015/6/3</a:t>
             </a:fld>
             <a:endParaRPr lang="zh-TW" altLang="en-US"/>
           </a:p>
@@ -1969,7 +1970,7 @@
             <a:fld id="{C25792BD-C431-42B0-9B3B-215FCDEECBA4}" type="datetimeFigureOut">
               <a:rPr lang="zh-TW" altLang="en-US" smtClean="0"/>
               <a:pPr/>
-              <a:t>2015/5/29</a:t>
+              <a:t>2015/6/3</a:t>
             </a:fld>
             <a:endParaRPr lang="zh-TW" altLang="en-US"/>
           </a:p>
@@ -2232,7 +2233,7 @@
             <a:fld id="{C25792BD-C431-42B0-9B3B-215FCDEECBA4}" type="datetimeFigureOut">
               <a:rPr lang="zh-TW" altLang="en-US" smtClean="0"/>
               <a:pPr/>
-              <a:t>2015/5/29</a:t>
+              <a:t>2015/6/3</a:t>
             </a:fld>
             <a:endParaRPr lang="zh-TW" altLang="en-US"/>
           </a:p>
@@ -2522,7 +2523,7 @@
             <a:fld id="{C25792BD-C431-42B0-9B3B-215FCDEECBA4}" type="datetimeFigureOut">
               <a:rPr lang="zh-TW" altLang="en-US" smtClean="0"/>
               <a:pPr/>
-              <a:t>2015/5/29</a:t>
+              <a:t>2015/6/3</a:t>
             </a:fld>
             <a:endParaRPr lang="zh-TW" altLang="en-US"/>
           </a:p>
@@ -3295,7 +3296,7 @@
             <a:fld id="{C25792BD-C431-42B0-9B3B-215FCDEECBA4}" type="datetimeFigureOut">
               <a:rPr lang="zh-TW" altLang="en-US" smtClean="0"/>
               <a:pPr/>
-              <a:t>2015/5/29</a:t>
+              <a:t>2015/6/3</a:t>
             </a:fld>
             <a:endParaRPr lang="zh-TW" altLang="en-US"/>
           </a:p>
@@ -5857,11 +5858,15 @@
             </a:r>
             <a:r>
               <a:rPr lang="en-US" altLang="zh-TW" dirty="0" smtClean="0"/>
-              <a:t>if-else , switch , </a:t>
-            </a:r>
-            <a:r>
-              <a:rPr lang="zh-TW" altLang="en-US" dirty="0" smtClean="0"/>
-              <a:t>迴圈 </a:t>
+              <a:t>if-else , switch </a:t>
+            </a:r>
+            <a:r>
+              <a:rPr lang="en-US" altLang="zh-TW" dirty="0" smtClean="0"/>
+              <a:t>, Loop</a:t>
+            </a:r>
+            <a:r>
+              <a:rPr lang="zh-TW" altLang="en-US" dirty="0" smtClean="0"/>
+              <a:t> </a:t>
             </a:r>
             <a:r>
               <a:rPr lang="en-US" altLang="zh-TW" dirty="0" smtClean="0"/>
@@ -7379,6 +7384,251 @@
 </file>
 
 <file path=ppt/slides/slide28.xml><?xml version="1.0" encoding="utf-8"?>
+<p:sld xmlns:a="http://schemas.openxmlformats.org/drawingml/2006/main" xmlns:r="http://schemas.openxmlformats.org/officeDocument/2006/relationships" xmlns:p="http://schemas.openxmlformats.org/presentationml/2006/main">
+  <p:cSld>
+    <p:spTree>
+      <p:nvGrpSpPr>
+        <p:cNvPr id="1" name=""/>
+        <p:cNvGrpSpPr/>
+        <p:nvPr/>
+      </p:nvGrpSpPr>
+      <p:grpSpPr>
+        <a:xfrm>
+          <a:off x="0" y="0"/>
+          <a:ext cx="0" cy="0"/>
+          <a:chOff x="0" y="0"/>
+          <a:chExt cx="0" cy="0"/>
+        </a:xfrm>
+      </p:grpSpPr>
+      <p:sp>
+        <p:nvSpPr>
+          <p:cNvPr id="2" name="標題 1"/>
+          <p:cNvSpPr>
+            <a:spLocks noGrp="1"/>
+          </p:cNvSpPr>
+          <p:nvPr>
+            <p:ph type="title"/>
+          </p:nvPr>
+        </p:nvSpPr>
+        <p:spPr/>
+        <p:txBody>
+          <a:bodyPr/>
+          <a:lstStyle/>
+          <a:p>
+            <a:r>
+              <a:rPr lang="zh-TW" altLang="en-US" dirty="0" smtClean="0"/>
+              <a:t>回顧</a:t>
+            </a:r>
+            <a:endParaRPr lang="en-US" dirty="0"/>
+          </a:p>
+        </p:txBody>
+      </p:sp>
+      <p:sp>
+        <p:nvSpPr>
+          <p:cNvPr id="3" name="內容版面配置區 2"/>
+          <p:cNvSpPr>
+            <a:spLocks noGrp="1"/>
+          </p:cNvSpPr>
+          <p:nvPr>
+            <p:ph idx="1"/>
+          </p:nvPr>
+        </p:nvSpPr>
+        <p:spPr/>
+        <p:txBody>
+          <a:bodyPr/>
+          <a:lstStyle/>
+          <a:p>
+            <a:r>
+              <a:rPr lang="zh-TW" altLang="en-US" dirty="0" smtClean="0"/>
+              <a:t>重構 </a:t>
+            </a:r>
+            <a:r>
+              <a:rPr lang="en-US" altLang="zh-TW" dirty="0" smtClean="0"/>
+              <a:t>:</a:t>
+            </a:r>
+            <a:r>
+              <a:rPr lang="zh-TW" altLang="en-US" dirty="0" smtClean="0"/>
+              <a:t> 改寫</a:t>
+            </a:r>
+            <a:r>
+              <a:rPr lang="zh-TW" altLang="en-US" dirty="0"/>
+              <a:t>程式碼 </a:t>
+            </a:r>
+            <a:r>
+              <a:rPr lang="en-US" altLang="zh-TW" dirty="0"/>
+              <a:t>, </a:t>
+            </a:r>
+            <a:r>
+              <a:rPr lang="zh-TW" altLang="en-US" dirty="0"/>
+              <a:t>增加可讀性</a:t>
+            </a:r>
+            <a:r>
+              <a:rPr lang="en-US" altLang="zh-TW" dirty="0"/>
+              <a:t> ,</a:t>
+            </a:r>
+            <a:r>
+              <a:rPr lang="zh-TW" altLang="en-US" dirty="0"/>
+              <a:t> 為了日後可能的需求 </a:t>
+            </a:r>
+            <a:r>
+              <a:rPr lang="en-US" altLang="zh-TW" dirty="0"/>
+              <a:t>, </a:t>
+            </a:r>
+            <a:r>
+              <a:rPr lang="zh-TW" altLang="en-US" dirty="0"/>
+              <a:t>使程式碼更容易因應修改或</a:t>
+            </a:r>
+            <a:r>
+              <a:rPr lang="zh-TW" altLang="en-US" dirty="0" smtClean="0"/>
+              <a:t>擴充</a:t>
+            </a:r>
+            <a:endParaRPr lang="en-US" altLang="zh-TW" dirty="0"/>
+          </a:p>
+          <a:p>
+            <a:r>
+              <a:rPr lang="zh-TW" altLang="en-US" dirty="0" smtClean="0"/>
+              <a:t>時機 </a:t>
+            </a:r>
+            <a:r>
+              <a:rPr lang="en-US" altLang="zh-TW" dirty="0" smtClean="0"/>
+              <a:t>:</a:t>
+            </a:r>
+            <a:r>
+              <a:rPr lang="zh-TW" altLang="en-US" dirty="0"/>
+              <a:t>當你發現原本的程式很難增加新功能 </a:t>
+            </a:r>
+            <a:r>
+              <a:rPr lang="en-US" altLang="zh-TW" dirty="0"/>
+              <a:t>, </a:t>
+            </a:r>
+            <a:r>
+              <a:rPr lang="zh-TW" altLang="en-US" dirty="0"/>
+              <a:t>或是很難修改原本的邏輯的時候</a:t>
+            </a:r>
+            <a:endParaRPr lang="en-US" altLang="zh-TW" dirty="0"/>
+          </a:p>
+          <a:p>
+            <a:r>
+              <a:rPr lang="zh-TW" altLang="en-US" dirty="0" smtClean="0"/>
+              <a:t>起手 </a:t>
+            </a:r>
+            <a:r>
+              <a:rPr lang="en-US" altLang="zh-TW" dirty="0" smtClean="0"/>
+              <a:t>:</a:t>
+            </a:r>
+            <a:r>
+              <a:rPr lang="zh-TW" altLang="en-US" dirty="0" smtClean="0"/>
+              <a:t> 確保功能不變 </a:t>
+            </a:r>
+            <a:r>
+              <a:rPr lang="en-US" altLang="zh-TW" dirty="0" smtClean="0"/>
+              <a:t>, </a:t>
+            </a:r>
+            <a:r>
+              <a:rPr lang="zh-TW" altLang="en-US" dirty="0" smtClean="0"/>
+              <a:t>能在重構過程中校驗</a:t>
+            </a:r>
+            <a:endParaRPr lang="en-US" altLang="zh-TW" dirty="0" smtClean="0"/>
+          </a:p>
+          <a:p>
+            <a:r>
+              <a:rPr lang="zh-TW" altLang="en-US" dirty="0" smtClean="0"/>
+              <a:t>過程 </a:t>
+            </a:r>
+            <a:r>
+              <a:rPr lang="en-US" altLang="zh-TW" dirty="0" smtClean="0"/>
+              <a:t>:</a:t>
+            </a:r>
+            <a:r>
+              <a:rPr lang="zh-TW" altLang="en-US" dirty="0" smtClean="0"/>
+              <a:t> 分解</a:t>
+            </a:r>
+            <a:r>
+              <a:rPr lang="zh-TW" altLang="en-US" dirty="0"/>
+              <a:t>並</a:t>
+            </a:r>
+            <a:r>
+              <a:rPr lang="zh-TW" altLang="en-US" dirty="0" smtClean="0"/>
+              <a:t>重組 </a:t>
+            </a:r>
+            <a:r>
+              <a:rPr lang="en-US" altLang="zh-TW" dirty="0" smtClean="0"/>
+              <a:t>, </a:t>
+            </a:r>
+            <a:r>
+              <a:rPr lang="zh-TW" altLang="en-US" dirty="0" smtClean="0"/>
+              <a:t>提</a:t>
+            </a:r>
+            <a:r>
+              <a:rPr lang="zh-TW" altLang="en-US" dirty="0"/>
+              <a:t>出</a:t>
+            </a:r>
+            <a:r>
+              <a:rPr lang="zh-TW" altLang="en-US" dirty="0" smtClean="0"/>
+              <a:t>並搬移方法 </a:t>
+            </a:r>
+            <a:r>
+              <a:rPr lang="en-US" altLang="zh-TW" dirty="0" smtClean="0"/>
+              <a:t>, </a:t>
+            </a:r>
+            <a:r>
+              <a:rPr lang="zh-TW" altLang="en-US" dirty="0" smtClean="0"/>
+              <a:t>使</a:t>
+            </a:r>
+            <a:r>
+              <a:rPr lang="zh-TW" altLang="en-US" dirty="0"/>
+              <a:t>變數名稱</a:t>
+            </a:r>
+            <a:r>
+              <a:rPr lang="zh-TW" altLang="en-US" dirty="0" smtClean="0"/>
+              <a:t>易讀 </a:t>
+            </a:r>
+            <a:r>
+              <a:rPr lang="en-US" altLang="zh-TW" dirty="0" smtClean="0"/>
+              <a:t>,</a:t>
+            </a:r>
+            <a:r>
+              <a:rPr lang="zh-TW" altLang="en-US" dirty="0" smtClean="0"/>
+              <a:t>去除暫時變數 </a:t>
+            </a:r>
+            <a:r>
+              <a:rPr lang="en-US" altLang="zh-TW" dirty="0" smtClean="0"/>
+              <a:t>…..</a:t>
+            </a:r>
+            <a:r>
+              <a:rPr lang="zh-TW" altLang="en-US" dirty="0" smtClean="0"/>
+              <a:t>待續</a:t>
+            </a:r>
+            <a:endParaRPr lang="en-US" altLang="zh-TW" dirty="0" smtClean="0"/>
+          </a:p>
+          <a:p>
+            <a:pPr marL="0" indent="0">
+              <a:buNone/>
+            </a:pPr>
+            <a:endParaRPr lang="en-US" altLang="zh-TW" dirty="0" smtClean="0"/>
+          </a:p>
+          <a:p>
+            <a:endParaRPr lang="en-US" altLang="zh-TW" dirty="0" smtClean="0"/>
+          </a:p>
+          <a:p>
+            <a:endParaRPr lang="en-US" dirty="0"/>
+          </a:p>
+        </p:txBody>
+      </p:sp>
+    </p:spTree>
+    <p:extLst>
+      <p:ext uri="{BB962C8B-B14F-4D97-AF65-F5344CB8AC3E}">
+        <p14:creationId xmlns:p14="http://schemas.microsoft.com/office/powerpoint/2010/main" val="2157122278"/>
+      </p:ext>
+    </p:extLst>
+  </p:cSld>
+  <p:clrMapOvr>
+    <a:masterClrMapping/>
+  </p:clrMapOvr>
+</p:sld>
+</file>
+
+<file path=ppt/slides/slide29.xml><?xml version="1.0" encoding="utf-8"?>
 <p:sld xmlns:a="http://schemas.openxmlformats.org/drawingml/2006/main" xmlns:r="http://schemas.openxmlformats.org/officeDocument/2006/relationships" xmlns:p="http://schemas.openxmlformats.org/presentationml/2006/main">
   <p:cSld>
     <p:spTree>

--- a/Refactoring/Refactoring 0~1.3.pptx
+++ b/Refactoring/Refactoring 0~1.3.pptx
@@ -33,7 +33,23 @@
     <p:sldId id="289" r:id="rId27"/>
     <p:sldId id="290" r:id="rId28"/>
     <p:sldId id="292" r:id="rId29"/>
-    <p:sldId id="291" r:id="rId30"/>
+    <p:sldId id="293" r:id="rId30"/>
+    <p:sldId id="294" r:id="rId31"/>
+    <p:sldId id="295" r:id="rId32"/>
+    <p:sldId id="296" r:id="rId33"/>
+    <p:sldId id="297" r:id="rId34"/>
+    <p:sldId id="298" r:id="rId35"/>
+    <p:sldId id="299" r:id="rId36"/>
+    <p:sldId id="300" r:id="rId37"/>
+    <p:sldId id="301" r:id="rId38"/>
+    <p:sldId id="302" r:id="rId39"/>
+    <p:sldId id="305" r:id="rId40"/>
+    <p:sldId id="306" r:id="rId41"/>
+    <p:sldId id="307" r:id="rId42"/>
+    <p:sldId id="308" r:id="rId43"/>
+    <p:sldId id="309" r:id="rId44"/>
+    <p:sldId id="310" r:id="rId45"/>
+    <p:sldId id="291" r:id="rId46"/>
   </p:sldIdLst>
   <p:sldSz cx="9144000" cy="6858000" type="screen4x3"/>
   <p:notesSz cx="6858000" cy="9144000"/>
@@ -3955,7 +3971,7 @@
           <a:p>
             <a:r>
               <a:rPr lang="en-US" altLang="zh-TW" dirty="0" smtClean="0"/>
-              <a:t>Charter</a:t>
+              <a:t>Chapter</a:t>
             </a:r>
             <a:r>
               <a:rPr lang="zh-TW" altLang="en-US" dirty="0" smtClean="0"/>
@@ -3987,11 +4003,11 @@
             <a:pPr algn="ctr"/>
             <a:r>
               <a:rPr lang="zh-TW" altLang="en-US" dirty="0" smtClean="0"/>
-              <a:t>                        </a:t>
-            </a:r>
-            <a:r>
-              <a:rPr lang="en-US" altLang="zh-TW" dirty="0" smtClean="0"/>
-              <a:t>Charter </a:t>
+              <a:t>              </a:t>
+            </a:r>
+            <a:r>
+              <a:rPr lang="en-US" altLang="zh-TW" dirty="0" smtClean="0"/>
+              <a:t>Chapter </a:t>
             </a:r>
             <a:r>
               <a:rPr lang="zh-TW" altLang="en-US" dirty="0" smtClean="0"/>
@@ -4011,12 +4027,13 @@
             </a:r>
             <a:r>
               <a:rPr lang="zh-TW" altLang="en-US" dirty="0" smtClean="0"/>
-              <a:t> 第一個案例 </a:t>
-            </a:r>
-            <a:r>
-              <a:rPr lang="en-US" altLang="zh-TW" dirty="0" smtClean="0"/>
-              <a:t>(~1.3)</a:t>
-            </a:r>
+              <a:t> 第一個</a:t>
+            </a:r>
+            <a:r>
+              <a:rPr lang="zh-TW" altLang="en-US" dirty="0" smtClean="0"/>
+              <a:t>案例</a:t>
+            </a:r>
+            <a:endParaRPr lang="en-US" altLang="zh-TW" dirty="0" smtClean="0"/>
           </a:p>
         </p:txBody>
       </p:sp>
@@ -5858,11 +5875,7 @@
             </a:r>
             <a:r>
               <a:rPr lang="en-US" altLang="zh-TW" dirty="0" smtClean="0"/>
-              <a:t>if-else , switch </a:t>
-            </a:r>
-            <a:r>
-              <a:rPr lang="en-US" altLang="zh-TW" dirty="0" smtClean="0"/>
-              <a:t>, Loop</a:t>
+              <a:t>if-else , switch , Loop</a:t>
             </a:r>
             <a:r>
               <a:rPr lang="zh-TW" altLang="en-US" dirty="0" smtClean="0"/>
@@ -7661,8 +7674,8 @@
           <a:lstStyle/>
           <a:p>
             <a:r>
-              <a:rPr lang="zh-TW" altLang="en-US" dirty="0" smtClean="0"/>
-              <a:t>參考資料</a:t>
+              <a:rPr lang="en-US" dirty="0" smtClean="0"/>
+              <a:t>So Far is good ?</a:t>
             </a:r>
             <a:endParaRPr lang="en-US" dirty="0"/>
           </a:p>
@@ -7684,59 +7697,81 @@
           <a:lstStyle/>
           <a:p>
             <a:r>
-              <a:rPr lang="zh-TW" altLang="en-US" dirty="0" smtClean="0">
-                <a:solidFill>
-                  <a:schemeClr val="tx2">
-                    <a:lumMod val="40000"/>
-                    <a:lumOff val="60000"/>
-                  </a:schemeClr>
-                </a:solidFill>
-                <a:hlinkClick r:id="rId2"/>
-              </a:rPr>
-              <a:t>課本試閱版</a:t>
-            </a:r>
-            <a:endParaRPr lang="en-US" altLang="zh-TW" dirty="0" smtClean="0">
-              <a:solidFill>
-                <a:schemeClr val="tx2">
-                  <a:lumMod val="40000"/>
-                  <a:lumOff val="60000"/>
-                </a:schemeClr>
-              </a:solidFill>
-            </a:endParaRPr>
-          </a:p>
-          <a:p>
-            <a:r>
-              <a:rPr lang="zh-TW" altLang="en-US" dirty="0" smtClean="0">
-                <a:hlinkClick r:id="rId3"/>
-              </a:rPr>
-              <a:t>對於重構的兩則常見誤解</a:t>
+              <a:rPr lang="zh-TW" altLang="en-US" dirty="0" smtClean="0"/>
+              <a:t>應用上述的方法 </a:t>
+            </a:r>
+            <a:r>
+              <a:rPr lang="en-US" altLang="zh-TW" dirty="0" smtClean="0"/>
+              <a:t>, </a:t>
+            </a:r>
+            <a:r>
+              <a:rPr lang="zh-TW" altLang="en-US" dirty="0" smtClean="0"/>
+              <a:t>現在可以用少少的修改做出 </a:t>
+            </a:r>
+            <a:r>
+              <a:rPr lang="en-US" altLang="zh-TW" dirty="0" err="1" smtClean="0"/>
+              <a:t>htmlStatement</a:t>
+            </a:r>
+            <a:r>
+              <a:rPr lang="en-US" altLang="zh-TW" dirty="0" smtClean="0"/>
+              <a:t>() </a:t>
+            </a:r>
+            <a:r>
+              <a:rPr lang="zh-TW" altLang="en-US" dirty="0" smtClean="0"/>
+              <a:t>並使用 </a:t>
+            </a:r>
+            <a:r>
+              <a:rPr lang="en-US" altLang="zh-TW" dirty="0" smtClean="0"/>
+              <a:t>statement</a:t>
+            </a:r>
+            <a:r>
+              <a:rPr lang="zh-TW" altLang="en-US" dirty="0" smtClean="0"/>
+              <a:t> 的所有計算</a:t>
             </a:r>
             <a:endParaRPr lang="en-US" altLang="zh-TW" dirty="0" smtClean="0"/>
           </a:p>
           <a:p>
-            <a:r>
-              <a:rPr lang="zh-TW" altLang="en-US" dirty="0" smtClean="0">
-                <a:hlinkClick r:id="rId4"/>
-              </a:rPr>
-              <a:t>重構程式碼與演算法</a:t>
-            </a:r>
-            <a:endParaRPr lang="en-US" altLang="zh-TW" dirty="0" smtClean="0"/>
-          </a:p>
-          <a:p>
-            <a:r>
-              <a:rPr lang="en-US" dirty="0" smtClean="0">
-                <a:hlinkClick r:id="rId5"/>
-              </a:rPr>
-              <a:t>Replace Temp with Query</a:t>
-            </a:r>
+            <a:pPr marL="0" indent="0">
+              <a:buNone/>
+            </a:pPr>
             <a:endParaRPr lang="en-US" dirty="0"/>
           </a:p>
         </p:txBody>
       </p:sp>
+      <p:pic>
+        <p:nvPicPr>
+          <p:cNvPr id="4" name="圖片 3"/>
+          <p:cNvPicPr>
+            <a:picLocks noChangeAspect="1"/>
+          </p:cNvPicPr>
+          <p:nvPr/>
+        </p:nvPicPr>
+        <p:blipFill>
+          <a:blip r:embed="rId2">
+            <a:extLst>
+              <a:ext uri="{28A0092B-C50C-407E-A947-70E740481C1C}">
+                <a14:useLocalDpi xmlns:a14="http://schemas.microsoft.com/office/drawing/2010/main" val="0"/>
+              </a:ext>
+            </a:extLst>
+          </a:blip>
+          <a:stretch>
+            <a:fillRect/>
+          </a:stretch>
+        </p:blipFill>
+        <p:spPr>
+          <a:xfrm>
+            <a:off x="179512" y="2780928"/>
+            <a:ext cx="7440279" cy="3949777"/>
+          </a:xfrm>
+          <a:prstGeom prst="rect">
+            <a:avLst/>
+          </a:prstGeom>
+        </p:spPr>
+      </p:pic>
     </p:spTree>
     <p:extLst>
       <p:ext uri="{BB962C8B-B14F-4D97-AF65-F5344CB8AC3E}">
-        <p14:creationId xmlns:p14="http://schemas.microsoft.com/office/powerpoint/2010/main" val="2756827831"/>
+        <p14:creationId xmlns:p14="http://schemas.microsoft.com/office/powerpoint/2010/main" val="3713837881"/>
       </p:ext>
     </p:extLst>
   </p:cSld>
@@ -7843,6 +7878,1701 @@
       </p:par>
     </p:tnLst>
   </p:timing>
+</p:sld>
+</file>
+
+<file path=ppt/slides/slide30.xml><?xml version="1.0" encoding="utf-8"?>
+<p:sld xmlns:a="http://schemas.openxmlformats.org/drawingml/2006/main" xmlns:r="http://schemas.openxmlformats.org/officeDocument/2006/relationships" xmlns:p="http://schemas.openxmlformats.org/presentationml/2006/main">
+  <p:cSld>
+    <p:spTree>
+      <p:nvGrpSpPr>
+        <p:cNvPr id="1" name=""/>
+        <p:cNvGrpSpPr/>
+        <p:nvPr/>
+      </p:nvGrpSpPr>
+      <p:grpSpPr>
+        <a:xfrm>
+          <a:off x="0" y="0"/>
+          <a:ext cx="0" cy="0"/>
+          <a:chOff x="0" y="0"/>
+          <a:chExt cx="0" cy="0"/>
+        </a:xfrm>
+      </p:grpSpPr>
+      <p:sp>
+        <p:nvSpPr>
+          <p:cNvPr id="2" name="標題 1"/>
+          <p:cNvSpPr>
+            <a:spLocks noGrp="1"/>
+          </p:cNvSpPr>
+          <p:nvPr>
+            <p:ph type="title"/>
+          </p:nvPr>
+        </p:nvSpPr>
+        <p:spPr/>
+        <p:txBody>
+          <a:bodyPr/>
+          <a:lstStyle/>
+          <a:p>
+            <a:r>
+              <a:rPr lang="zh-TW" altLang="en-US" dirty="0" smtClean="0"/>
+              <a:t>顧客的新要求</a:t>
+            </a:r>
+            <a:endParaRPr lang="en-US" dirty="0"/>
+          </a:p>
+        </p:txBody>
+      </p:sp>
+      <p:sp>
+        <p:nvSpPr>
+          <p:cNvPr id="3" name="內容版面配置區 2"/>
+          <p:cNvSpPr>
+            <a:spLocks noGrp="1"/>
+          </p:cNvSpPr>
+          <p:nvPr>
+            <p:ph idx="1"/>
+          </p:nvPr>
+        </p:nvSpPr>
+        <p:spPr/>
+        <p:txBody>
+          <a:bodyPr/>
+          <a:lstStyle/>
+          <a:p>
+            <a:r>
+              <a:rPr lang="zh-TW" altLang="en-US" dirty="0" smtClean="0"/>
+              <a:t>現在有</a:t>
+            </a:r>
+            <a:r>
+              <a:rPr lang="en-US" altLang="zh-TW" dirty="0" smtClean="0"/>
+              <a:t>Regular , Children , New Release , </a:t>
+            </a:r>
+            <a:r>
+              <a:rPr lang="zh-TW" altLang="en-US" dirty="0" smtClean="0"/>
+              <a:t>三種分類</a:t>
+            </a:r>
+            <a:endParaRPr lang="en-US" altLang="zh-TW" dirty="0" smtClean="0"/>
+          </a:p>
+          <a:p>
+            <a:r>
+              <a:rPr lang="zh-TW" altLang="en-US" dirty="0" smtClean="0"/>
+              <a:t>顧客想更改分類方法 </a:t>
+            </a:r>
+            <a:r>
+              <a:rPr lang="en-US" altLang="zh-TW" dirty="0" smtClean="0"/>
+              <a:t>(</a:t>
+            </a:r>
+            <a:r>
+              <a:rPr lang="zh-TW" altLang="en-US" dirty="0" smtClean="0"/>
+              <a:t> 加入 </a:t>
+            </a:r>
+            <a:r>
+              <a:rPr lang="en-US" altLang="zh-TW" dirty="0" smtClean="0"/>
+              <a:t>Adult , two-hands ,</a:t>
+            </a:r>
+            <a:r>
+              <a:rPr lang="zh-TW" altLang="en-US" dirty="0" smtClean="0"/>
+              <a:t> 或刪除 </a:t>
+            </a:r>
+            <a:r>
+              <a:rPr lang="en-US" altLang="zh-TW" dirty="0" smtClean="0"/>
+              <a:t>New</a:t>
+            </a:r>
+            <a:r>
+              <a:rPr lang="zh-TW" altLang="en-US" dirty="0" smtClean="0"/>
+              <a:t> </a:t>
+            </a:r>
+            <a:r>
+              <a:rPr lang="en-US" altLang="zh-TW" dirty="0" smtClean="0"/>
+              <a:t>Release</a:t>
+            </a:r>
+            <a:r>
+              <a:rPr lang="zh-TW" altLang="en-US" dirty="0" smtClean="0"/>
+              <a:t> </a:t>
+            </a:r>
+            <a:r>
+              <a:rPr lang="en-US" altLang="zh-TW" dirty="0" smtClean="0"/>
+              <a:t>)</a:t>
+            </a:r>
+            <a:r>
+              <a:rPr lang="zh-TW" altLang="en-US" dirty="0" smtClean="0"/>
+              <a:t> </a:t>
+            </a:r>
+            <a:r>
+              <a:rPr lang="en-US" altLang="zh-TW" dirty="0" smtClean="0"/>
+              <a:t>, </a:t>
+            </a:r>
+            <a:r>
+              <a:rPr lang="zh-TW" altLang="en-US" dirty="0" smtClean="0"/>
+              <a:t>對開發者來說 </a:t>
+            </a:r>
+            <a:r>
+              <a:rPr lang="en-US" altLang="zh-TW" dirty="0" smtClean="0"/>
+              <a:t>,</a:t>
+            </a:r>
+            <a:r>
+              <a:rPr lang="zh-TW" altLang="en-US" dirty="0" smtClean="0"/>
+              <a:t> 每次一個改變就修改</a:t>
+            </a:r>
+            <a:r>
+              <a:rPr lang="en-US" altLang="zh-TW" dirty="0"/>
+              <a:t> </a:t>
+            </a:r>
+            <a:r>
+              <a:rPr lang="en-US" altLang="zh-TW" dirty="0" smtClean="0"/>
+              <a:t>Switch </a:t>
+            </a:r>
+            <a:r>
+              <a:rPr lang="zh-TW" altLang="en-US" dirty="0" smtClean="0"/>
+              <a:t>並不是什麼好主意</a:t>
+            </a:r>
+            <a:endParaRPr lang="en-US" altLang="zh-TW" dirty="0" smtClean="0"/>
+          </a:p>
+          <a:p>
+            <a:pPr marL="0" indent="0">
+              <a:buNone/>
+            </a:pPr>
+            <a:endParaRPr lang="en-US" altLang="zh-TW" dirty="0" smtClean="0"/>
+          </a:p>
+          <a:p>
+            <a:pPr marL="0" indent="0">
+              <a:buNone/>
+            </a:pPr>
+            <a:endParaRPr lang="en-US" altLang="zh-TW" dirty="0" smtClean="0"/>
+          </a:p>
+        </p:txBody>
+      </p:sp>
+    </p:spTree>
+    <p:extLst>
+      <p:ext uri="{BB962C8B-B14F-4D97-AF65-F5344CB8AC3E}">
+        <p14:creationId xmlns:p14="http://schemas.microsoft.com/office/powerpoint/2010/main" val="78369846"/>
+      </p:ext>
+    </p:extLst>
+  </p:cSld>
+  <p:clrMapOvr>
+    <a:masterClrMapping/>
+  </p:clrMapOvr>
+</p:sld>
+</file>
+
+<file path=ppt/slides/slide31.xml><?xml version="1.0" encoding="utf-8"?>
+<p:sld xmlns:a="http://schemas.openxmlformats.org/drawingml/2006/main" xmlns:r="http://schemas.openxmlformats.org/officeDocument/2006/relationships" xmlns:p="http://schemas.openxmlformats.org/presentationml/2006/main">
+  <p:cSld>
+    <p:spTree>
+      <p:nvGrpSpPr>
+        <p:cNvPr id="1" name=""/>
+        <p:cNvGrpSpPr/>
+        <p:nvPr/>
+      </p:nvGrpSpPr>
+      <p:grpSpPr>
+        <a:xfrm>
+          <a:off x="0" y="0"/>
+          <a:ext cx="0" cy="0"/>
+          <a:chOff x="0" y="0"/>
+          <a:chExt cx="0" cy="0"/>
+        </a:xfrm>
+      </p:grpSpPr>
+      <p:sp>
+        <p:nvSpPr>
+          <p:cNvPr id="2" name="標題 1"/>
+          <p:cNvSpPr>
+            <a:spLocks noGrp="1"/>
+          </p:cNvSpPr>
+          <p:nvPr>
+            <p:ph type="title"/>
+          </p:nvPr>
+        </p:nvSpPr>
+        <p:spPr/>
+        <p:txBody>
+          <a:bodyPr/>
+          <a:lstStyle/>
+          <a:p>
+            <a:r>
+              <a:rPr lang="zh-TW" altLang="en-US" dirty="0" smtClean="0"/>
+              <a:t>因條件而異的程式碼</a:t>
+            </a:r>
+            <a:endParaRPr lang="en-US" dirty="0"/>
+          </a:p>
+        </p:txBody>
+      </p:sp>
+      <p:sp>
+        <p:nvSpPr>
+          <p:cNvPr id="3" name="內容版面配置區 2"/>
+          <p:cNvSpPr>
+            <a:spLocks noGrp="1"/>
+          </p:cNvSpPr>
+          <p:nvPr>
+            <p:ph idx="1"/>
+          </p:nvPr>
+        </p:nvSpPr>
+        <p:spPr/>
+        <p:txBody>
+          <a:bodyPr/>
+          <a:lstStyle/>
+          <a:p>
+            <a:r>
+              <a:rPr lang="zh-TW" altLang="en-US" dirty="0" smtClean="0"/>
+              <a:t>首先 </a:t>
+            </a:r>
+            <a:r>
+              <a:rPr lang="en-US" altLang="zh-TW" dirty="0" smtClean="0"/>
+              <a:t>, </a:t>
+            </a:r>
+            <a:r>
+              <a:rPr lang="zh-TW" altLang="en-US" dirty="0" smtClean="0"/>
+              <a:t>在 </a:t>
+            </a:r>
+            <a:r>
+              <a:rPr lang="en-US" altLang="zh-TW" dirty="0" smtClean="0"/>
+              <a:t>Extract Method </a:t>
+            </a:r>
+            <a:r>
+              <a:rPr lang="zh-TW" altLang="en-US" dirty="0" smtClean="0"/>
+              <a:t>談過 </a:t>
+            </a:r>
+            <a:r>
+              <a:rPr lang="en-US" altLang="zh-TW" dirty="0" smtClean="0"/>
+              <a:t>, </a:t>
+            </a:r>
+            <a:r>
+              <a:rPr lang="zh-TW" altLang="en-US" dirty="0" smtClean="0"/>
+              <a:t>使用物件資料的程式碼應該放在該物件上 </a:t>
+            </a:r>
+            <a:r>
+              <a:rPr lang="en-US" altLang="zh-TW" dirty="0" smtClean="0"/>
+              <a:t>, </a:t>
+            </a:r>
+            <a:r>
+              <a:rPr lang="zh-TW" altLang="en-US" dirty="0" smtClean="0"/>
+              <a:t>該是 </a:t>
+            </a:r>
+            <a:r>
+              <a:rPr lang="en-US" altLang="zh-TW" dirty="0" smtClean="0"/>
+              <a:t>Move Method</a:t>
+            </a:r>
+            <a:r>
+              <a:rPr lang="zh-TW" altLang="en-US" dirty="0" smtClean="0"/>
+              <a:t>出場了</a:t>
+            </a:r>
+            <a:endParaRPr lang="en-US" dirty="0"/>
+          </a:p>
+        </p:txBody>
+      </p:sp>
+      <p:pic>
+        <p:nvPicPr>
+          <p:cNvPr id="5" name="圖片 4"/>
+          <p:cNvPicPr>
+            <a:picLocks noChangeAspect="1"/>
+          </p:cNvPicPr>
+          <p:nvPr/>
+        </p:nvPicPr>
+        <p:blipFill>
+          <a:blip r:embed="rId2">
+            <a:extLst>
+              <a:ext uri="{28A0092B-C50C-407E-A947-70E740481C1C}">
+                <a14:useLocalDpi xmlns:a14="http://schemas.microsoft.com/office/drawing/2010/main" val="0"/>
+              </a:ext>
+            </a:extLst>
+          </a:blip>
+          <a:stretch>
+            <a:fillRect/>
+          </a:stretch>
+        </p:blipFill>
+        <p:spPr>
+          <a:xfrm>
+            <a:off x="1907704" y="2924944"/>
+            <a:ext cx="3829584" cy="3672408"/>
+          </a:xfrm>
+          <a:prstGeom prst="rect">
+            <a:avLst/>
+          </a:prstGeom>
+        </p:spPr>
+      </p:pic>
+    </p:spTree>
+    <p:extLst>
+      <p:ext uri="{BB962C8B-B14F-4D97-AF65-F5344CB8AC3E}">
+        <p14:creationId xmlns:p14="http://schemas.microsoft.com/office/powerpoint/2010/main" val="537840093"/>
+      </p:ext>
+    </p:extLst>
+  </p:cSld>
+  <p:clrMapOvr>
+    <a:masterClrMapping/>
+  </p:clrMapOvr>
+</p:sld>
+</file>
+
+<file path=ppt/slides/slide32.xml><?xml version="1.0" encoding="utf-8"?>
+<p:sld xmlns:a="http://schemas.openxmlformats.org/drawingml/2006/main" xmlns:r="http://schemas.openxmlformats.org/officeDocument/2006/relationships" xmlns:p="http://schemas.openxmlformats.org/presentationml/2006/main">
+  <p:cSld>
+    <p:spTree>
+      <p:nvGrpSpPr>
+        <p:cNvPr id="1" name=""/>
+        <p:cNvGrpSpPr/>
+        <p:nvPr/>
+      </p:nvGrpSpPr>
+      <p:grpSpPr>
+        <a:xfrm>
+          <a:off x="0" y="0"/>
+          <a:ext cx="0" cy="0"/>
+          <a:chOff x="0" y="0"/>
+          <a:chExt cx="0" cy="0"/>
+        </a:xfrm>
+      </p:grpSpPr>
+      <p:sp>
+        <p:nvSpPr>
+          <p:cNvPr id="2" name="標題 1"/>
+          <p:cNvSpPr>
+            <a:spLocks noGrp="1"/>
+          </p:cNvSpPr>
+          <p:nvPr>
+            <p:ph type="title"/>
+          </p:nvPr>
+        </p:nvSpPr>
+        <p:spPr/>
+        <p:txBody>
+          <a:bodyPr/>
+          <a:lstStyle/>
+          <a:p>
+            <a:r>
+              <a:rPr lang="zh-TW" altLang="en-US" dirty="0"/>
+              <a:t>因條件而異的程式碼</a:t>
+            </a:r>
+            <a:endParaRPr lang="en-US" dirty="0"/>
+          </a:p>
+        </p:txBody>
+      </p:sp>
+      <p:sp>
+        <p:nvSpPr>
+          <p:cNvPr id="3" name="內容版面配置區 2"/>
+          <p:cNvSpPr>
+            <a:spLocks noGrp="1"/>
+          </p:cNvSpPr>
+          <p:nvPr>
+            <p:ph idx="1"/>
+          </p:nvPr>
+        </p:nvSpPr>
+        <p:spPr/>
+        <p:txBody>
+          <a:bodyPr/>
+          <a:lstStyle/>
+          <a:p>
+            <a:r>
+              <a:rPr lang="zh-TW" altLang="en-US" dirty="0" smtClean="0"/>
+              <a:t>重構後 </a:t>
+            </a:r>
+            <a:r>
+              <a:rPr lang="en-US" altLang="zh-TW" dirty="0" smtClean="0"/>
+              <a:t>(</a:t>
+            </a:r>
+            <a:r>
+              <a:rPr lang="zh-TW" altLang="en-US" dirty="0" smtClean="0"/>
+              <a:t>過程略</a:t>
+            </a:r>
+            <a:r>
+              <a:rPr lang="en-US" altLang="zh-TW" dirty="0" smtClean="0"/>
+              <a:t>)</a:t>
+            </a:r>
+            <a:endParaRPr lang="en-US" dirty="0"/>
+          </a:p>
+        </p:txBody>
+      </p:sp>
+      <p:pic>
+        <p:nvPicPr>
+          <p:cNvPr id="4" name="圖片 3"/>
+          <p:cNvPicPr>
+            <a:picLocks noChangeAspect="1"/>
+          </p:cNvPicPr>
+          <p:nvPr/>
+        </p:nvPicPr>
+        <p:blipFill>
+          <a:blip r:embed="rId2">
+            <a:extLst>
+              <a:ext uri="{28A0092B-C50C-407E-A947-70E740481C1C}">
+                <a14:useLocalDpi xmlns:a14="http://schemas.microsoft.com/office/drawing/2010/main" val="0"/>
+              </a:ext>
+            </a:extLst>
+          </a:blip>
+          <a:stretch>
+            <a:fillRect/>
+          </a:stretch>
+        </p:blipFill>
+        <p:spPr>
+          <a:xfrm>
+            <a:off x="-220387" y="2576602"/>
+            <a:ext cx="4913971" cy="2520280"/>
+          </a:xfrm>
+          <a:prstGeom prst="rect">
+            <a:avLst/>
+          </a:prstGeom>
+        </p:spPr>
+      </p:pic>
+      <p:sp>
+        <p:nvSpPr>
+          <p:cNvPr id="5" name="文字方塊 4"/>
+          <p:cNvSpPr txBox="1"/>
+          <p:nvPr/>
+        </p:nvSpPr>
+        <p:spPr>
+          <a:xfrm>
+            <a:off x="1043608" y="5376836"/>
+            <a:ext cx="3682752" cy="369332"/>
+          </a:xfrm>
+          <a:prstGeom prst="rect">
+            <a:avLst/>
+          </a:prstGeom>
+          <a:noFill/>
+        </p:spPr>
+        <p:txBody>
+          <a:bodyPr wrap="square" rtlCol="0">
+            <a:spAutoFit/>
+          </a:bodyPr>
+          <a:lstStyle/>
+          <a:p>
+            <a:r>
+              <a:rPr lang="zh-TW" altLang="en-US" dirty="0" smtClean="0"/>
+              <a:t>修改前的 </a:t>
+            </a:r>
+            <a:r>
+              <a:rPr lang="en-US" altLang="zh-TW" dirty="0" smtClean="0"/>
+              <a:t>class diagram</a:t>
+            </a:r>
+            <a:endParaRPr lang="en-US" dirty="0"/>
+          </a:p>
+        </p:txBody>
+      </p:sp>
+      <p:pic>
+        <p:nvPicPr>
+          <p:cNvPr id="6" name="圖片 5"/>
+          <p:cNvPicPr>
+            <a:picLocks noChangeAspect="1"/>
+          </p:cNvPicPr>
+          <p:nvPr/>
+        </p:nvPicPr>
+        <p:blipFill>
+          <a:blip r:embed="rId3">
+            <a:extLst>
+              <a:ext uri="{28A0092B-C50C-407E-A947-70E740481C1C}">
+                <a14:useLocalDpi xmlns:a14="http://schemas.microsoft.com/office/drawing/2010/main" val="0"/>
+              </a:ext>
+            </a:extLst>
+          </a:blip>
+          <a:stretch>
+            <a:fillRect/>
+          </a:stretch>
+        </p:blipFill>
+        <p:spPr>
+          <a:xfrm>
+            <a:off x="4468930" y="2583521"/>
+            <a:ext cx="4893125" cy="3162647"/>
+          </a:xfrm>
+          <a:prstGeom prst="rect">
+            <a:avLst/>
+          </a:prstGeom>
+        </p:spPr>
+      </p:pic>
+      <p:sp>
+        <p:nvSpPr>
+          <p:cNvPr id="7" name="文字方塊 6"/>
+          <p:cNvSpPr txBox="1"/>
+          <p:nvPr/>
+        </p:nvSpPr>
+        <p:spPr>
+          <a:xfrm>
+            <a:off x="5647936" y="5853084"/>
+            <a:ext cx="3682752" cy="369332"/>
+          </a:xfrm>
+          <a:prstGeom prst="rect">
+            <a:avLst/>
+          </a:prstGeom>
+          <a:noFill/>
+        </p:spPr>
+        <p:txBody>
+          <a:bodyPr wrap="square" rtlCol="0">
+            <a:spAutoFit/>
+          </a:bodyPr>
+          <a:lstStyle/>
+          <a:p>
+            <a:r>
+              <a:rPr lang="zh-TW" altLang="en-US" dirty="0" smtClean="0"/>
+              <a:t>修改後的 </a:t>
+            </a:r>
+            <a:r>
+              <a:rPr lang="en-US" altLang="zh-TW" dirty="0" smtClean="0"/>
+              <a:t>class diagram</a:t>
+            </a:r>
+            <a:endParaRPr lang="en-US" dirty="0"/>
+          </a:p>
+        </p:txBody>
+      </p:sp>
+    </p:spTree>
+    <p:extLst>
+      <p:ext uri="{BB962C8B-B14F-4D97-AF65-F5344CB8AC3E}">
+        <p14:creationId xmlns:p14="http://schemas.microsoft.com/office/powerpoint/2010/main" val="4132117271"/>
+      </p:ext>
+    </p:extLst>
+  </p:cSld>
+  <p:clrMapOvr>
+    <a:masterClrMapping/>
+  </p:clrMapOvr>
+</p:sld>
+</file>
+
+<file path=ppt/slides/slide33.xml><?xml version="1.0" encoding="utf-8"?>
+<p:sld xmlns:a="http://schemas.openxmlformats.org/drawingml/2006/main" xmlns:r="http://schemas.openxmlformats.org/officeDocument/2006/relationships" xmlns:p="http://schemas.openxmlformats.org/presentationml/2006/main">
+  <p:cSld>
+    <p:spTree>
+      <p:nvGrpSpPr>
+        <p:cNvPr id="1" name=""/>
+        <p:cNvGrpSpPr/>
+        <p:nvPr/>
+      </p:nvGrpSpPr>
+      <p:grpSpPr>
+        <a:xfrm>
+          <a:off x="0" y="0"/>
+          <a:ext cx="0" cy="0"/>
+          <a:chOff x="0" y="0"/>
+          <a:chExt cx="0" cy="0"/>
+        </a:xfrm>
+      </p:grpSpPr>
+      <p:sp>
+        <p:nvSpPr>
+          <p:cNvPr id="2" name="標題 1"/>
+          <p:cNvSpPr>
+            <a:spLocks noGrp="1"/>
+          </p:cNvSpPr>
+          <p:nvPr>
+            <p:ph type="title"/>
+          </p:nvPr>
+        </p:nvSpPr>
+        <p:spPr/>
+        <p:txBody>
+          <a:bodyPr>
+            <a:noAutofit/>
+          </a:bodyPr>
+          <a:lstStyle/>
+          <a:p>
+            <a:r>
+              <a:rPr lang="zh-TW" altLang="en-US" dirty="0" smtClean="0"/>
+              <a:t>簡化邏輯判</a:t>
+            </a:r>
+            <a:r>
+              <a:rPr lang="zh-TW" altLang="en-US" dirty="0"/>
+              <a:t>斷</a:t>
+            </a:r>
+            <a:r>
+              <a:rPr lang="en-US" altLang="zh-TW" dirty="0" smtClean="0"/>
+              <a:t> :</a:t>
+            </a:r>
+            <a:r>
+              <a:rPr lang="en-US" altLang="zh-TW" dirty="0"/>
+              <a:t> </a:t>
+            </a:r>
+            <a:r>
+              <a:rPr lang="en-US" altLang="zh-TW" dirty="0" smtClean="0"/>
+              <a:t>State</a:t>
+            </a:r>
+            <a:r>
+              <a:rPr lang="zh-TW" altLang="en-US" dirty="0" smtClean="0"/>
+              <a:t> </a:t>
+            </a:r>
+            <a:r>
+              <a:rPr lang="en-US" altLang="zh-TW" dirty="0" smtClean="0"/>
+              <a:t>Pattern</a:t>
+            </a:r>
+            <a:endParaRPr lang="en-US" dirty="0"/>
+          </a:p>
+        </p:txBody>
+      </p:sp>
+      <p:sp>
+        <p:nvSpPr>
+          <p:cNvPr id="3" name="內容版面配置區 2"/>
+          <p:cNvSpPr>
+            <a:spLocks noGrp="1"/>
+          </p:cNvSpPr>
+          <p:nvPr>
+            <p:ph idx="1"/>
+          </p:nvPr>
+        </p:nvSpPr>
+        <p:spPr/>
+        <p:txBody>
+          <a:bodyPr/>
+          <a:lstStyle/>
+          <a:p>
+            <a:r>
+              <a:rPr lang="zh-TW" altLang="en-US" dirty="0" smtClean="0"/>
+              <a:t>設計模式 </a:t>
+            </a:r>
+            <a:r>
+              <a:rPr lang="en-US" altLang="zh-TW" dirty="0" smtClean="0"/>
+              <a:t>(</a:t>
+            </a:r>
+            <a:r>
+              <a:rPr lang="zh-TW" altLang="en-US" dirty="0" smtClean="0"/>
+              <a:t> </a:t>
+            </a:r>
+            <a:r>
+              <a:rPr lang="en-US" altLang="zh-TW" dirty="0" smtClean="0"/>
+              <a:t>Design Pattern ) </a:t>
+            </a:r>
+            <a:r>
+              <a:rPr lang="zh-TW" altLang="en-US" dirty="0" smtClean="0"/>
+              <a:t>是軟工領域對於反覆出現的各種問題所提供的解決法則</a:t>
+            </a:r>
+            <a:endParaRPr lang="en-US" altLang="zh-TW" dirty="0" smtClean="0"/>
+          </a:p>
+          <a:p>
+            <a:r>
+              <a:rPr lang="zh-TW" altLang="en-US" dirty="0" smtClean="0"/>
+              <a:t>就是整理過的經驗談 </a:t>
+            </a:r>
+            <a:r>
+              <a:rPr lang="en-US" altLang="zh-TW" dirty="0" smtClean="0"/>
+              <a:t>, </a:t>
+            </a:r>
+            <a:r>
+              <a:rPr lang="zh-TW" altLang="en-US" dirty="0" smtClean="0"/>
+              <a:t>很抽象 </a:t>
+            </a:r>
+            <a:r>
+              <a:rPr lang="en-US" altLang="zh-TW" dirty="0" smtClean="0"/>
+              <a:t>, </a:t>
+            </a:r>
+            <a:r>
+              <a:rPr lang="zh-TW" altLang="en-US" dirty="0" smtClean="0"/>
+              <a:t>碰到才懂的東西</a:t>
+            </a:r>
+            <a:endParaRPr lang="en-US" altLang="zh-TW" dirty="0" smtClean="0"/>
+          </a:p>
+          <a:p>
+            <a:pPr marL="0" indent="0">
+              <a:buNone/>
+            </a:pPr>
+            <a:endParaRPr lang="en-US" altLang="zh-TW" dirty="0" smtClean="0"/>
+          </a:p>
+        </p:txBody>
+      </p:sp>
+      <p:pic>
+        <p:nvPicPr>
+          <p:cNvPr id="5" name="圖片 4"/>
+          <p:cNvPicPr>
+            <a:picLocks noChangeAspect="1"/>
+          </p:cNvPicPr>
+          <p:nvPr/>
+        </p:nvPicPr>
+        <p:blipFill>
+          <a:blip r:embed="rId2">
+            <a:extLst>
+              <a:ext uri="{28A0092B-C50C-407E-A947-70E740481C1C}">
+                <a14:useLocalDpi xmlns:a14="http://schemas.microsoft.com/office/drawing/2010/main" val="0"/>
+              </a:ext>
+            </a:extLst>
+          </a:blip>
+          <a:stretch>
+            <a:fillRect/>
+          </a:stretch>
+        </p:blipFill>
+        <p:spPr>
+          <a:xfrm>
+            <a:off x="1403648" y="3513257"/>
+            <a:ext cx="5544616" cy="3099474"/>
+          </a:xfrm>
+          <a:prstGeom prst="rect">
+            <a:avLst/>
+          </a:prstGeom>
+        </p:spPr>
+      </p:pic>
+    </p:spTree>
+    <p:extLst>
+      <p:ext uri="{BB962C8B-B14F-4D97-AF65-F5344CB8AC3E}">
+        <p14:creationId xmlns:p14="http://schemas.microsoft.com/office/powerpoint/2010/main" val="791530735"/>
+      </p:ext>
+    </p:extLst>
+  </p:cSld>
+  <p:clrMapOvr>
+    <a:masterClrMapping/>
+  </p:clrMapOvr>
+</p:sld>
+</file>
+
+<file path=ppt/slides/slide34.xml><?xml version="1.0" encoding="utf-8"?>
+<p:sld xmlns:a="http://schemas.openxmlformats.org/drawingml/2006/main" xmlns:r="http://schemas.openxmlformats.org/officeDocument/2006/relationships" xmlns:p="http://schemas.openxmlformats.org/presentationml/2006/main">
+  <p:cSld>
+    <p:spTree>
+      <p:nvGrpSpPr>
+        <p:cNvPr id="1" name=""/>
+        <p:cNvGrpSpPr/>
+        <p:nvPr/>
+      </p:nvGrpSpPr>
+      <p:grpSpPr>
+        <a:xfrm>
+          <a:off x="0" y="0"/>
+          <a:ext cx="0" cy="0"/>
+          <a:chOff x="0" y="0"/>
+          <a:chExt cx="0" cy="0"/>
+        </a:xfrm>
+      </p:grpSpPr>
+      <p:sp>
+        <p:nvSpPr>
+          <p:cNvPr id="2" name="標題 1"/>
+          <p:cNvSpPr>
+            <a:spLocks noGrp="1"/>
+          </p:cNvSpPr>
+          <p:nvPr>
+            <p:ph type="title"/>
+          </p:nvPr>
+        </p:nvSpPr>
+        <p:spPr/>
+        <p:txBody>
+          <a:bodyPr/>
+          <a:lstStyle/>
+          <a:p>
+            <a:r>
+              <a:rPr lang="en-US" altLang="zh-TW" dirty="0" smtClean="0"/>
+              <a:t>State</a:t>
+            </a:r>
+            <a:r>
+              <a:rPr lang="zh-TW" altLang="en-US" dirty="0" smtClean="0"/>
+              <a:t> </a:t>
+            </a:r>
+            <a:r>
+              <a:rPr lang="en-US" altLang="zh-TW" dirty="0" smtClean="0"/>
+              <a:t>Pattern</a:t>
+            </a:r>
+            <a:r>
+              <a:rPr lang="zh-TW" altLang="en-US" dirty="0"/>
+              <a:t> </a:t>
+            </a:r>
+            <a:r>
+              <a:rPr lang="en-US" altLang="zh-TW" dirty="0" smtClean="0"/>
+              <a:t>(</a:t>
+            </a:r>
+            <a:r>
+              <a:rPr lang="zh-TW" altLang="en-US" dirty="0" smtClean="0"/>
+              <a:t> 狀態範式 </a:t>
+            </a:r>
+            <a:r>
+              <a:rPr lang="en-US" altLang="zh-TW" dirty="0" smtClean="0"/>
+              <a:t>)</a:t>
+            </a:r>
+            <a:endParaRPr lang="en-US" dirty="0"/>
+          </a:p>
+        </p:txBody>
+      </p:sp>
+      <p:sp>
+        <p:nvSpPr>
+          <p:cNvPr id="3" name="內容版面配置區 2"/>
+          <p:cNvSpPr>
+            <a:spLocks noGrp="1"/>
+          </p:cNvSpPr>
+          <p:nvPr>
+            <p:ph idx="1"/>
+          </p:nvPr>
+        </p:nvSpPr>
+        <p:spPr/>
+        <p:txBody>
+          <a:bodyPr/>
+          <a:lstStyle/>
+          <a:p>
+            <a:r>
+              <a:rPr lang="zh-TW" altLang="en-US" dirty="0" smtClean="0"/>
+              <a:t>別</a:t>
+            </a:r>
+            <a:r>
+              <a:rPr lang="zh-TW" altLang="en-US" dirty="0"/>
+              <a:t>名</a:t>
+            </a:r>
+            <a:r>
+              <a:rPr lang="zh-TW" altLang="en-US" dirty="0" smtClean="0"/>
+              <a:t> </a:t>
+            </a:r>
+            <a:r>
+              <a:rPr lang="en-US" altLang="zh-TW" dirty="0"/>
+              <a:t>:</a:t>
+            </a:r>
+            <a:r>
+              <a:rPr lang="zh-TW" altLang="en-US" dirty="0"/>
+              <a:t> 條件</a:t>
+            </a:r>
+            <a:r>
+              <a:rPr lang="zh-TW" altLang="en-US" dirty="0"/>
+              <a:t>判斷式的消除</a:t>
+            </a:r>
+            <a:r>
+              <a:rPr lang="zh-TW" altLang="en-US" dirty="0" smtClean="0"/>
+              <a:t>者</a:t>
+            </a:r>
+            <a:endParaRPr lang="en-US" altLang="zh-TW" dirty="0" smtClean="0"/>
+          </a:p>
+          <a:p>
+            <a:r>
+              <a:rPr lang="zh-TW" altLang="en-US" dirty="0" smtClean="0"/>
+              <a:t>步驟 </a:t>
+            </a:r>
+            <a:r>
+              <a:rPr lang="en-US" altLang="zh-TW" dirty="0" smtClean="0"/>
+              <a:t>:</a:t>
+            </a:r>
+            <a:r>
+              <a:rPr lang="zh-TW" altLang="en-US" dirty="0" smtClean="0"/>
+              <a:t> </a:t>
+            </a:r>
+            <a:endParaRPr lang="en-US" altLang="zh-TW" dirty="0"/>
+          </a:p>
+          <a:p>
+            <a:pPr lvl="1"/>
+            <a:r>
+              <a:rPr lang="en-US" altLang="zh-TW" dirty="0" smtClean="0"/>
+              <a:t>Replace Type Code with State/Strategy</a:t>
+            </a:r>
+          </a:p>
+          <a:p>
+            <a:pPr lvl="1"/>
+            <a:r>
+              <a:rPr lang="en-US" altLang="zh-TW" dirty="0" smtClean="0"/>
+              <a:t>Move Method</a:t>
+            </a:r>
+          </a:p>
+          <a:p>
+            <a:pPr lvl="1"/>
+            <a:r>
+              <a:rPr lang="en-US" altLang="zh-TW" dirty="0" smtClean="0"/>
+              <a:t>Replace Conditional with Polymorphism</a:t>
+            </a:r>
+            <a:endParaRPr lang="zh-TW" altLang="en-US" dirty="0"/>
+          </a:p>
+          <a:p>
+            <a:endParaRPr lang="en-US" dirty="0"/>
+          </a:p>
+        </p:txBody>
+      </p:sp>
+    </p:spTree>
+    <p:extLst>
+      <p:ext uri="{BB962C8B-B14F-4D97-AF65-F5344CB8AC3E}">
+        <p14:creationId xmlns:p14="http://schemas.microsoft.com/office/powerpoint/2010/main" val="2928042531"/>
+      </p:ext>
+    </p:extLst>
+  </p:cSld>
+  <p:clrMapOvr>
+    <a:masterClrMapping/>
+  </p:clrMapOvr>
+</p:sld>
+</file>
+
+<file path=ppt/slides/slide35.xml><?xml version="1.0" encoding="utf-8"?>
+<p:sld xmlns:a="http://schemas.openxmlformats.org/drawingml/2006/main" xmlns:r="http://schemas.openxmlformats.org/officeDocument/2006/relationships" xmlns:p="http://schemas.openxmlformats.org/presentationml/2006/main">
+  <p:cSld>
+    <p:spTree>
+      <p:nvGrpSpPr>
+        <p:cNvPr id="1" name=""/>
+        <p:cNvGrpSpPr/>
+        <p:nvPr/>
+      </p:nvGrpSpPr>
+      <p:grpSpPr>
+        <a:xfrm>
+          <a:off x="0" y="0"/>
+          <a:ext cx="0" cy="0"/>
+          <a:chOff x="0" y="0"/>
+          <a:chExt cx="0" cy="0"/>
+        </a:xfrm>
+      </p:grpSpPr>
+      <p:sp>
+        <p:nvSpPr>
+          <p:cNvPr id="2" name="標題 1"/>
+          <p:cNvSpPr>
+            <a:spLocks noGrp="1"/>
+          </p:cNvSpPr>
+          <p:nvPr>
+            <p:ph type="title"/>
+          </p:nvPr>
+        </p:nvSpPr>
+        <p:spPr/>
+        <p:txBody>
+          <a:bodyPr/>
+          <a:lstStyle/>
+          <a:p>
+            <a:r>
+              <a:rPr lang="en-US" altLang="zh-TW" dirty="0" smtClean="0"/>
+              <a:t>State</a:t>
+            </a:r>
+            <a:r>
+              <a:rPr lang="zh-TW" altLang="en-US" dirty="0" smtClean="0"/>
+              <a:t> </a:t>
+            </a:r>
+            <a:r>
+              <a:rPr lang="en-US" altLang="zh-TW" dirty="0" smtClean="0"/>
+              <a:t>Pattern</a:t>
+            </a:r>
+            <a:r>
+              <a:rPr lang="zh-TW" altLang="en-US" dirty="0"/>
+              <a:t> </a:t>
+            </a:r>
+            <a:r>
+              <a:rPr lang="en-US" altLang="zh-TW" dirty="0" smtClean="0"/>
+              <a:t>(</a:t>
+            </a:r>
+            <a:r>
+              <a:rPr lang="zh-TW" altLang="en-US" dirty="0" smtClean="0"/>
+              <a:t> 狀態範式 </a:t>
+            </a:r>
+            <a:r>
+              <a:rPr lang="en-US" altLang="zh-TW" dirty="0" smtClean="0"/>
+              <a:t>)</a:t>
+            </a:r>
+            <a:endParaRPr lang="en-US" dirty="0"/>
+          </a:p>
+        </p:txBody>
+      </p:sp>
+      <p:sp>
+        <p:nvSpPr>
+          <p:cNvPr id="3" name="內容版面配置區 2"/>
+          <p:cNvSpPr>
+            <a:spLocks noGrp="1"/>
+          </p:cNvSpPr>
+          <p:nvPr>
+            <p:ph idx="1"/>
+          </p:nvPr>
+        </p:nvSpPr>
+        <p:spPr/>
+        <p:txBody>
+          <a:bodyPr/>
+          <a:lstStyle/>
+          <a:p>
+            <a:r>
+              <a:rPr lang="zh-TW" altLang="en-US" dirty="0" smtClean="0"/>
+              <a:t>別</a:t>
+            </a:r>
+            <a:r>
+              <a:rPr lang="zh-TW" altLang="en-US" dirty="0"/>
+              <a:t>名</a:t>
+            </a:r>
+            <a:r>
+              <a:rPr lang="zh-TW" altLang="en-US" dirty="0" smtClean="0"/>
+              <a:t> </a:t>
+            </a:r>
+            <a:r>
+              <a:rPr lang="en-US" altLang="zh-TW" dirty="0"/>
+              <a:t>:</a:t>
+            </a:r>
+            <a:r>
+              <a:rPr lang="zh-TW" altLang="en-US" dirty="0"/>
+              <a:t> 條件</a:t>
+            </a:r>
+            <a:r>
+              <a:rPr lang="zh-TW" altLang="en-US" dirty="0"/>
+              <a:t>判斷式的消除</a:t>
+            </a:r>
+            <a:r>
+              <a:rPr lang="zh-TW" altLang="en-US" dirty="0" smtClean="0"/>
+              <a:t>者</a:t>
+            </a:r>
+            <a:endParaRPr lang="en-US" altLang="zh-TW" dirty="0" smtClean="0"/>
+          </a:p>
+          <a:p>
+            <a:r>
+              <a:rPr lang="zh-TW" altLang="en-US" dirty="0" smtClean="0"/>
+              <a:t>步驟 </a:t>
+            </a:r>
+            <a:r>
+              <a:rPr lang="en-US" altLang="zh-TW" dirty="0" smtClean="0"/>
+              <a:t>:</a:t>
+            </a:r>
+            <a:r>
+              <a:rPr lang="zh-TW" altLang="en-US" dirty="0" smtClean="0"/>
+              <a:t> </a:t>
+            </a:r>
+            <a:endParaRPr lang="en-US" altLang="zh-TW" dirty="0"/>
+          </a:p>
+          <a:p>
+            <a:endParaRPr lang="en-US" dirty="0"/>
+          </a:p>
+        </p:txBody>
+      </p:sp>
+      <p:pic>
+        <p:nvPicPr>
+          <p:cNvPr id="4" name="圖片 3"/>
+          <p:cNvPicPr>
+            <a:picLocks noChangeAspect="1"/>
+          </p:cNvPicPr>
+          <p:nvPr/>
+        </p:nvPicPr>
+        <p:blipFill>
+          <a:blip r:embed="rId2">
+            <a:extLst>
+              <a:ext uri="{28A0092B-C50C-407E-A947-70E740481C1C}">
+                <a14:useLocalDpi xmlns:a14="http://schemas.microsoft.com/office/drawing/2010/main" val="0"/>
+              </a:ext>
+            </a:extLst>
+          </a:blip>
+          <a:stretch>
+            <a:fillRect/>
+          </a:stretch>
+        </p:blipFill>
+        <p:spPr>
+          <a:xfrm>
+            <a:off x="1043608" y="2996952"/>
+            <a:ext cx="4824536" cy="3618402"/>
+          </a:xfrm>
+          <a:prstGeom prst="rect">
+            <a:avLst/>
+          </a:prstGeom>
+        </p:spPr>
+      </p:pic>
+    </p:spTree>
+    <p:extLst>
+      <p:ext uri="{BB962C8B-B14F-4D97-AF65-F5344CB8AC3E}">
+        <p14:creationId xmlns:p14="http://schemas.microsoft.com/office/powerpoint/2010/main" val="232111420"/>
+      </p:ext>
+    </p:extLst>
+  </p:cSld>
+  <p:clrMapOvr>
+    <a:masterClrMapping/>
+  </p:clrMapOvr>
+</p:sld>
+</file>
+
+<file path=ppt/slides/slide36.xml><?xml version="1.0" encoding="utf-8"?>
+<p:sld xmlns:a="http://schemas.openxmlformats.org/drawingml/2006/main" xmlns:r="http://schemas.openxmlformats.org/officeDocument/2006/relationships" xmlns:p="http://schemas.openxmlformats.org/presentationml/2006/main">
+  <p:cSld>
+    <p:spTree>
+      <p:nvGrpSpPr>
+        <p:cNvPr id="1" name=""/>
+        <p:cNvGrpSpPr/>
+        <p:nvPr/>
+      </p:nvGrpSpPr>
+      <p:grpSpPr>
+        <a:xfrm>
+          <a:off x="0" y="0"/>
+          <a:ext cx="0" cy="0"/>
+          <a:chOff x="0" y="0"/>
+          <a:chExt cx="0" cy="0"/>
+        </a:xfrm>
+      </p:grpSpPr>
+      <p:sp>
+        <p:nvSpPr>
+          <p:cNvPr id="2" name="標題 1"/>
+          <p:cNvSpPr>
+            <a:spLocks noGrp="1"/>
+          </p:cNvSpPr>
+          <p:nvPr>
+            <p:ph type="title"/>
+          </p:nvPr>
+        </p:nvSpPr>
+        <p:spPr/>
+        <p:txBody>
+          <a:bodyPr/>
+          <a:lstStyle/>
+          <a:p>
+            <a:r>
+              <a:rPr lang="en-US" altLang="zh-TW" dirty="0"/>
+              <a:t>State</a:t>
+            </a:r>
+            <a:r>
+              <a:rPr lang="zh-TW" altLang="en-US" dirty="0"/>
+              <a:t> </a:t>
+            </a:r>
+            <a:r>
+              <a:rPr lang="en-US" altLang="zh-TW" dirty="0"/>
+              <a:t>Pattern</a:t>
+            </a:r>
+            <a:r>
+              <a:rPr lang="zh-TW" altLang="en-US" dirty="0"/>
+              <a:t> </a:t>
+            </a:r>
+            <a:r>
+              <a:rPr lang="en-US" altLang="zh-TW" dirty="0"/>
+              <a:t>(</a:t>
+            </a:r>
+            <a:r>
+              <a:rPr lang="zh-TW" altLang="en-US" dirty="0"/>
+              <a:t> 狀態範式 </a:t>
+            </a:r>
+            <a:r>
+              <a:rPr lang="en-US" altLang="zh-TW" dirty="0"/>
+              <a:t>)</a:t>
+            </a:r>
+            <a:endParaRPr lang="en-US" dirty="0"/>
+          </a:p>
+        </p:txBody>
+      </p:sp>
+      <p:sp>
+        <p:nvSpPr>
+          <p:cNvPr id="3" name="內容版面配置區 2"/>
+          <p:cNvSpPr>
+            <a:spLocks noGrp="1"/>
+          </p:cNvSpPr>
+          <p:nvPr>
+            <p:ph idx="1"/>
+          </p:nvPr>
+        </p:nvSpPr>
+        <p:spPr/>
+        <p:txBody>
+          <a:bodyPr/>
+          <a:lstStyle/>
+          <a:p>
+            <a:r>
+              <a:rPr lang="zh-TW" altLang="en-US" dirty="0" smtClean="0"/>
+              <a:t>先從簡單的例子開始</a:t>
+            </a:r>
+            <a:endParaRPr lang="en-US" altLang="zh-TW" dirty="0" smtClean="0"/>
+          </a:p>
+          <a:p>
+            <a:r>
+              <a:rPr lang="zh-TW" altLang="en-US" dirty="0" smtClean="0"/>
+              <a:t>假設要設計一個紅綠燈號誌</a:t>
+            </a:r>
+            <a:endParaRPr lang="en-US" dirty="0"/>
+          </a:p>
+        </p:txBody>
+      </p:sp>
+      <p:pic>
+        <p:nvPicPr>
+          <p:cNvPr id="4" name="圖片 3"/>
+          <p:cNvPicPr>
+            <a:picLocks noChangeAspect="1"/>
+          </p:cNvPicPr>
+          <p:nvPr/>
+        </p:nvPicPr>
+        <p:blipFill>
+          <a:blip r:embed="rId2">
+            <a:extLst>
+              <a:ext uri="{28A0092B-C50C-407E-A947-70E740481C1C}">
+                <a14:useLocalDpi xmlns:a14="http://schemas.microsoft.com/office/drawing/2010/main" val="0"/>
+              </a:ext>
+            </a:extLst>
+          </a:blip>
+          <a:stretch>
+            <a:fillRect/>
+          </a:stretch>
+        </p:blipFill>
+        <p:spPr>
+          <a:xfrm>
+            <a:off x="1763688" y="3034651"/>
+            <a:ext cx="5256584" cy="3276110"/>
+          </a:xfrm>
+          <a:prstGeom prst="rect">
+            <a:avLst/>
+          </a:prstGeom>
+        </p:spPr>
+      </p:pic>
+    </p:spTree>
+    <p:extLst>
+      <p:ext uri="{BB962C8B-B14F-4D97-AF65-F5344CB8AC3E}">
+        <p14:creationId xmlns:p14="http://schemas.microsoft.com/office/powerpoint/2010/main" val="1152176706"/>
+      </p:ext>
+    </p:extLst>
+  </p:cSld>
+  <p:clrMapOvr>
+    <a:masterClrMapping/>
+  </p:clrMapOvr>
+</p:sld>
+</file>
+
+<file path=ppt/slides/slide37.xml><?xml version="1.0" encoding="utf-8"?>
+<p:sld xmlns:a="http://schemas.openxmlformats.org/drawingml/2006/main" xmlns:r="http://schemas.openxmlformats.org/officeDocument/2006/relationships" xmlns:p="http://schemas.openxmlformats.org/presentationml/2006/main">
+  <p:cSld>
+    <p:spTree>
+      <p:nvGrpSpPr>
+        <p:cNvPr id="1" name=""/>
+        <p:cNvGrpSpPr/>
+        <p:nvPr/>
+      </p:nvGrpSpPr>
+      <p:grpSpPr>
+        <a:xfrm>
+          <a:off x="0" y="0"/>
+          <a:ext cx="0" cy="0"/>
+          <a:chOff x="0" y="0"/>
+          <a:chExt cx="0" cy="0"/>
+        </a:xfrm>
+      </p:grpSpPr>
+      <p:pic>
+        <p:nvPicPr>
+          <p:cNvPr id="5" name="圖片 4"/>
+          <p:cNvPicPr>
+            <a:picLocks noChangeAspect="1"/>
+          </p:cNvPicPr>
+          <p:nvPr/>
+        </p:nvPicPr>
+        <p:blipFill>
+          <a:blip r:embed="rId2">
+            <a:extLst>
+              <a:ext uri="{28A0092B-C50C-407E-A947-70E740481C1C}">
+                <a14:useLocalDpi xmlns:a14="http://schemas.microsoft.com/office/drawing/2010/main" val="0"/>
+              </a:ext>
+            </a:extLst>
+          </a:blip>
+          <a:stretch>
+            <a:fillRect/>
+          </a:stretch>
+        </p:blipFill>
+        <p:spPr>
+          <a:xfrm>
+            <a:off x="0" y="0"/>
+            <a:ext cx="9144000" cy="6845334"/>
+          </a:xfrm>
+          <a:prstGeom prst="rect">
+            <a:avLst/>
+          </a:prstGeom>
+        </p:spPr>
+      </p:pic>
+    </p:spTree>
+    <p:extLst>
+      <p:ext uri="{BB962C8B-B14F-4D97-AF65-F5344CB8AC3E}">
+        <p14:creationId xmlns:p14="http://schemas.microsoft.com/office/powerpoint/2010/main" val="2902395468"/>
+      </p:ext>
+    </p:extLst>
+  </p:cSld>
+  <p:clrMapOvr>
+    <a:masterClrMapping/>
+  </p:clrMapOvr>
+</p:sld>
+</file>
+
+<file path=ppt/slides/slide38.xml><?xml version="1.0" encoding="utf-8"?>
+<p:sld xmlns:a="http://schemas.openxmlformats.org/drawingml/2006/main" xmlns:r="http://schemas.openxmlformats.org/officeDocument/2006/relationships" xmlns:p="http://schemas.openxmlformats.org/presentationml/2006/main">
+  <p:cSld>
+    <p:spTree>
+      <p:nvGrpSpPr>
+        <p:cNvPr id="1" name=""/>
+        <p:cNvGrpSpPr/>
+        <p:nvPr/>
+      </p:nvGrpSpPr>
+      <p:grpSpPr>
+        <a:xfrm>
+          <a:off x="0" y="0"/>
+          <a:ext cx="0" cy="0"/>
+          <a:chOff x="0" y="0"/>
+          <a:chExt cx="0" cy="0"/>
+        </a:xfrm>
+      </p:grpSpPr>
+      <p:sp>
+        <p:nvSpPr>
+          <p:cNvPr id="2" name="標題 1"/>
+          <p:cNvSpPr>
+            <a:spLocks noGrp="1"/>
+          </p:cNvSpPr>
+          <p:nvPr>
+            <p:ph type="title"/>
+          </p:nvPr>
+        </p:nvSpPr>
+        <p:spPr/>
+        <p:txBody>
+          <a:bodyPr/>
+          <a:lstStyle/>
+          <a:p>
+            <a:r>
+              <a:rPr lang="en-US" altLang="zh-TW" dirty="0"/>
+              <a:t>State</a:t>
+            </a:r>
+            <a:r>
+              <a:rPr lang="zh-TW" altLang="en-US" dirty="0"/>
+              <a:t> </a:t>
+            </a:r>
+            <a:r>
+              <a:rPr lang="en-US" altLang="zh-TW" dirty="0"/>
+              <a:t>Pattern</a:t>
+            </a:r>
+            <a:r>
+              <a:rPr lang="zh-TW" altLang="en-US" dirty="0"/>
+              <a:t> </a:t>
+            </a:r>
+            <a:r>
+              <a:rPr lang="en-US" altLang="zh-TW" dirty="0"/>
+              <a:t>(</a:t>
+            </a:r>
+            <a:r>
+              <a:rPr lang="zh-TW" altLang="en-US" dirty="0"/>
+              <a:t> 狀態範式 </a:t>
+            </a:r>
+            <a:r>
+              <a:rPr lang="en-US" altLang="zh-TW" dirty="0"/>
+              <a:t>)</a:t>
+            </a:r>
+            <a:endParaRPr lang="en-US" dirty="0"/>
+          </a:p>
+        </p:txBody>
+      </p:sp>
+      <p:sp>
+        <p:nvSpPr>
+          <p:cNvPr id="3" name="內容版面配置區 2"/>
+          <p:cNvSpPr>
+            <a:spLocks noGrp="1"/>
+          </p:cNvSpPr>
+          <p:nvPr>
+            <p:ph idx="1"/>
+          </p:nvPr>
+        </p:nvSpPr>
+        <p:spPr/>
+        <p:txBody>
+          <a:bodyPr/>
+          <a:lstStyle/>
+          <a:p>
+            <a:pPr marL="342900" lvl="1" indent="-342900">
+              <a:buClr>
+                <a:schemeClr val="accent3"/>
+              </a:buClr>
+              <a:buSzPct val="95000"/>
+            </a:pPr>
+            <a:r>
+              <a:rPr lang="zh-TW" altLang="en-US" dirty="0" smtClean="0"/>
+              <a:t>開始應用</a:t>
+            </a:r>
+            <a:r>
+              <a:rPr lang="en-US" altLang="zh-TW" dirty="0"/>
+              <a:t>State</a:t>
+            </a:r>
+            <a:r>
+              <a:rPr lang="zh-TW" altLang="en-US" dirty="0"/>
+              <a:t> </a:t>
+            </a:r>
+            <a:r>
+              <a:rPr lang="en-US" altLang="zh-TW" dirty="0"/>
+              <a:t>Pattern</a:t>
+            </a:r>
+            <a:r>
+              <a:rPr lang="zh-TW" altLang="en-US" dirty="0"/>
+              <a:t> </a:t>
+            </a:r>
+            <a:r>
+              <a:rPr lang="en-US" altLang="zh-TW" dirty="0" smtClean="0"/>
+              <a:t>,</a:t>
+            </a:r>
+            <a:r>
+              <a:rPr lang="zh-TW" altLang="en-US" dirty="0"/>
+              <a:t>找到依據不同燈號會有不同動作</a:t>
+            </a:r>
+            <a:r>
+              <a:rPr lang="zh-TW" altLang="en-US" dirty="0" smtClean="0"/>
+              <a:t>的變數 </a:t>
+            </a:r>
+            <a:r>
+              <a:rPr lang="en-US" altLang="zh-TW" dirty="0" smtClean="0"/>
+              <a:t>, (</a:t>
+            </a:r>
+            <a:r>
+              <a:rPr lang="zh-TW" altLang="en-US" dirty="0" smtClean="0"/>
+              <a:t>在此例是</a:t>
+            </a:r>
+            <a:r>
+              <a:rPr lang="en-US" altLang="zh-TW" dirty="0" smtClean="0"/>
+              <a:t>state </a:t>
+            </a:r>
+            <a:r>
+              <a:rPr lang="zh-TW" altLang="en-US" dirty="0" smtClean="0"/>
+              <a:t>也就是燈號 </a:t>
+            </a:r>
+            <a:r>
+              <a:rPr lang="en-US" altLang="zh-TW" dirty="0" smtClean="0"/>
+              <a:t>)</a:t>
+            </a:r>
+            <a:r>
+              <a:rPr lang="zh-TW" altLang="en-US" dirty="0" smtClean="0"/>
+              <a:t> </a:t>
+            </a:r>
+            <a:r>
+              <a:rPr lang="en-US" altLang="zh-TW" dirty="0" smtClean="0"/>
+              <a:t>, </a:t>
+            </a:r>
+            <a:r>
+              <a:rPr lang="zh-TW" altLang="en-US" dirty="0" smtClean="0"/>
+              <a:t>對他做 </a:t>
+            </a:r>
+            <a:r>
+              <a:rPr lang="en-US" altLang="zh-TW" dirty="0" smtClean="0"/>
+              <a:t>getting &amp; setting , </a:t>
+            </a:r>
+            <a:r>
+              <a:rPr lang="zh-TW" altLang="en-US" dirty="0" smtClean="0"/>
+              <a:t>之後都用此方法存取。</a:t>
+            </a:r>
+            <a:endParaRPr lang="en-US" altLang="zh-TW" dirty="0"/>
+          </a:p>
+        </p:txBody>
+      </p:sp>
+      <p:pic>
+        <p:nvPicPr>
+          <p:cNvPr id="4" name="圖片 3"/>
+          <p:cNvPicPr>
+            <a:picLocks noChangeAspect="1"/>
+          </p:cNvPicPr>
+          <p:nvPr/>
+        </p:nvPicPr>
+        <p:blipFill>
+          <a:blip r:embed="rId2">
+            <a:extLst>
+              <a:ext uri="{28A0092B-C50C-407E-A947-70E740481C1C}">
+                <a14:useLocalDpi xmlns:a14="http://schemas.microsoft.com/office/drawing/2010/main" val="0"/>
+              </a:ext>
+            </a:extLst>
+          </a:blip>
+          <a:stretch>
+            <a:fillRect/>
+          </a:stretch>
+        </p:blipFill>
+        <p:spPr>
+          <a:xfrm>
+            <a:off x="3275856" y="3212976"/>
+            <a:ext cx="4824536" cy="3498946"/>
+          </a:xfrm>
+          <a:prstGeom prst="rect">
+            <a:avLst/>
+          </a:prstGeom>
+        </p:spPr>
+      </p:pic>
+    </p:spTree>
+    <p:extLst>
+      <p:ext uri="{BB962C8B-B14F-4D97-AF65-F5344CB8AC3E}">
+        <p14:creationId xmlns:p14="http://schemas.microsoft.com/office/powerpoint/2010/main" val="1961747154"/>
+      </p:ext>
+    </p:extLst>
+  </p:cSld>
+  <p:clrMapOvr>
+    <a:masterClrMapping/>
+  </p:clrMapOvr>
+</p:sld>
+</file>
+
+<file path=ppt/slides/slide39.xml><?xml version="1.0" encoding="utf-8"?>
+<p:sld xmlns:a="http://schemas.openxmlformats.org/drawingml/2006/main" xmlns:r="http://schemas.openxmlformats.org/officeDocument/2006/relationships" xmlns:p="http://schemas.openxmlformats.org/presentationml/2006/main">
+  <p:cSld>
+    <p:spTree>
+      <p:nvGrpSpPr>
+        <p:cNvPr id="1" name=""/>
+        <p:cNvGrpSpPr/>
+        <p:nvPr/>
+      </p:nvGrpSpPr>
+      <p:grpSpPr>
+        <a:xfrm>
+          <a:off x="0" y="0"/>
+          <a:ext cx="0" cy="0"/>
+          <a:chOff x="0" y="0"/>
+          <a:chExt cx="0" cy="0"/>
+        </a:xfrm>
+      </p:grpSpPr>
+      <p:sp>
+        <p:nvSpPr>
+          <p:cNvPr id="2" name="標題 1"/>
+          <p:cNvSpPr>
+            <a:spLocks noGrp="1"/>
+          </p:cNvSpPr>
+          <p:nvPr>
+            <p:ph type="title"/>
+          </p:nvPr>
+        </p:nvSpPr>
+        <p:spPr/>
+        <p:txBody>
+          <a:bodyPr/>
+          <a:lstStyle/>
+          <a:p>
+            <a:r>
+              <a:rPr lang="en-US" altLang="zh-TW" dirty="0"/>
+              <a:t>State</a:t>
+            </a:r>
+            <a:r>
+              <a:rPr lang="zh-TW" altLang="en-US" dirty="0"/>
+              <a:t> </a:t>
+            </a:r>
+            <a:r>
+              <a:rPr lang="en-US" altLang="zh-TW" dirty="0"/>
+              <a:t>Pattern</a:t>
+            </a:r>
+            <a:r>
+              <a:rPr lang="zh-TW" altLang="en-US" dirty="0"/>
+              <a:t> </a:t>
+            </a:r>
+            <a:r>
+              <a:rPr lang="en-US" altLang="zh-TW" dirty="0"/>
+              <a:t>(</a:t>
+            </a:r>
+            <a:r>
+              <a:rPr lang="zh-TW" altLang="en-US" dirty="0"/>
+              <a:t> 狀態範式 </a:t>
+            </a:r>
+            <a:r>
+              <a:rPr lang="en-US" altLang="zh-TW" dirty="0"/>
+              <a:t>)</a:t>
+            </a:r>
+            <a:endParaRPr lang="en-US" dirty="0"/>
+          </a:p>
+        </p:txBody>
+      </p:sp>
+      <p:sp>
+        <p:nvSpPr>
+          <p:cNvPr id="3" name="內容版面配置區 2"/>
+          <p:cNvSpPr>
+            <a:spLocks noGrp="1"/>
+          </p:cNvSpPr>
+          <p:nvPr>
+            <p:ph idx="1"/>
+          </p:nvPr>
+        </p:nvSpPr>
+        <p:spPr/>
+        <p:txBody>
+          <a:bodyPr/>
+          <a:lstStyle/>
+          <a:p>
+            <a:r>
+              <a:rPr lang="zh-TW" altLang="en-US" dirty="0" smtClean="0"/>
+              <a:t>再</a:t>
+            </a:r>
+            <a:r>
+              <a:rPr lang="zh-TW" altLang="en-US" dirty="0"/>
+              <a:t>來</a:t>
+            </a:r>
+            <a:r>
+              <a:rPr lang="zh-TW" altLang="en-US" dirty="0" smtClean="0"/>
+              <a:t> </a:t>
+            </a:r>
+            <a:r>
+              <a:rPr lang="en-US" altLang="zh-TW" dirty="0" smtClean="0"/>
+              <a:t>, </a:t>
+            </a:r>
+            <a:r>
+              <a:rPr lang="zh-TW" altLang="en-US" dirty="0" smtClean="0"/>
+              <a:t>找到依據不同燈號會有不同動作的方法 </a:t>
+            </a:r>
+            <a:r>
+              <a:rPr lang="en-US" altLang="zh-TW" dirty="0" smtClean="0"/>
+              <a:t>(</a:t>
+            </a:r>
+            <a:r>
+              <a:rPr lang="zh-TW" altLang="en-US" dirty="0" smtClean="0"/>
+              <a:t>也就是</a:t>
+            </a:r>
+            <a:r>
+              <a:rPr lang="en-US" altLang="zh-TW" dirty="0" smtClean="0"/>
+              <a:t>3</a:t>
+            </a:r>
+            <a:r>
+              <a:rPr lang="zh-TW" altLang="en-US" dirty="0" smtClean="0"/>
+              <a:t>個</a:t>
+            </a:r>
+            <a:r>
+              <a:rPr lang="en-US" altLang="zh-TW" dirty="0" smtClean="0"/>
+              <a:t>case)</a:t>
+            </a:r>
+            <a:r>
+              <a:rPr lang="zh-TW" altLang="en-US" dirty="0" smtClean="0"/>
+              <a:t> </a:t>
+            </a:r>
+            <a:r>
+              <a:rPr lang="en-US" altLang="zh-TW" dirty="0" smtClean="0"/>
+              <a:t>,</a:t>
+            </a:r>
+            <a:r>
+              <a:rPr lang="zh-TW" altLang="en-US" dirty="0" smtClean="0"/>
+              <a:t> 加入新的 </a:t>
+            </a:r>
+            <a:r>
+              <a:rPr lang="en-US" altLang="zh-TW" dirty="0" smtClean="0"/>
+              <a:t>class</a:t>
+            </a:r>
+            <a:r>
+              <a:rPr lang="zh-TW" altLang="en-US" dirty="0" smtClean="0"/>
+              <a:t> 並提供方法</a:t>
+            </a:r>
+            <a:endParaRPr lang="en-US" altLang="zh-TW" dirty="0" smtClean="0"/>
+          </a:p>
+          <a:p>
+            <a:endParaRPr lang="en-US" altLang="zh-TW" dirty="0" smtClean="0"/>
+          </a:p>
+        </p:txBody>
+      </p:sp>
+      <p:pic>
+        <p:nvPicPr>
+          <p:cNvPr id="5" name="圖片 4"/>
+          <p:cNvPicPr>
+            <a:picLocks noChangeAspect="1"/>
+          </p:cNvPicPr>
+          <p:nvPr/>
+        </p:nvPicPr>
+        <p:blipFill>
+          <a:blip r:embed="rId2">
+            <a:extLst>
+              <a:ext uri="{28A0092B-C50C-407E-A947-70E740481C1C}">
+                <a14:useLocalDpi xmlns:a14="http://schemas.microsoft.com/office/drawing/2010/main" val="0"/>
+              </a:ext>
+            </a:extLst>
+          </a:blip>
+          <a:stretch>
+            <a:fillRect/>
+          </a:stretch>
+        </p:blipFill>
+        <p:spPr>
+          <a:xfrm>
+            <a:off x="4530436" y="2738760"/>
+            <a:ext cx="4320480" cy="3923812"/>
+          </a:xfrm>
+          <a:prstGeom prst="rect">
+            <a:avLst/>
+          </a:prstGeom>
+        </p:spPr>
+      </p:pic>
+      <p:sp>
+        <p:nvSpPr>
+          <p:cNvPr id="4" name="文字方塊 3"/>
+          <p:cNvSpPr txBox="1"/>
+          <p:nvPr/>
+        </p:nvSpPr>
+        <p:spPr>
+          <a:xfrm>
+            <a:off x="983982" y="3573016"/>
+            <a:ext cx="3528392" cy="2092881"/>
+          </a:xfrm>
+          <a:prstGeom prst="rect">
+            <a:avLst/>
+          </a:prstGeom>
+          <a:noFill/>
+        </p:spPr>
+        <p:txBody>
+          <a:bodyPr wrap="square" rtlCol="0">
+            <a:spAutoFit/>
+          </a:bodyPr>
+          <a:lstStyle/>
+          <a:p>
+            <a:r>
+              <a:rPr lang="zh-TW" altLang="en-US" sz="2800" dirty="0"/>
+              <a:t>到這邊算完成</a:t>
+            </a:r>
+            <a:endParaRPr lang="en-US" altLang="zh-TW" sz="2800" dirty="0"/>
+          </a:p>
+          <a:p>
+            <a:pPr marL="0" lvl="1" indent="0">
+              <a:buClr>
+                <a:schemeClr val="accent3"/>
+              </a:buClr>
+              <a:buSzPct val="95000"/>
+              <a:buNone/>
+            </a:pPr>
+            <a:r>
+              <a:rPr lang="en-US" altLang="zh-TW" sz="2800" dirty="0"/>
+              <a:t>Replace Type Code with </a:t>
+            </a:r>
+          </a:p>
+          <a:p>
+            <a:pPr marL="0" lvl="1" indent="0">
+              <a:buClr>
+                <a:schemeClr val="accent3"/>
+              </a:buClr>
+              <a:buSzPct val="95000"/>
+              <a:buNone/>
+            </a:pPr>
+            <a:r>
+              <a:rPr lang="en-US" altLang="zh-TW" sz="2800" dirty="0"/>
+              <a:t>State/Strategy</a:t>
+            </a:r>
+          </a:p>
+          <a:p>
+            <a:endParaRPr lang="en-US" dirty="0"/>
+          </a:p>
+        </p:txBody>
+      </p:sp>
+    </p:spTree>
+    <p:extLst>
+      <p:ext uri="{BB962C8B-B14F-4D97-AF65-F5344CB8AC3E}">
+        <p14:creationId xmlns:p14="http://schemas.microsoft.com/office/powerpoint/2010/main" val="2138014154"/>
+      </p:ext>
+    </p:extLst>
+  </p:cSld>
+  <p:clrMapOvr>
+    <a:masterClrMapping/>
+  </p:clrMapOvr>
 </p:sld>
 </file>
 
@@ -7978,6 +9708,806 @@
       </p:par>
     </p:tnLst>
   </p:timing>
+</p:sld>
+</file>
+
+<file path=ppt/slides/slide40.xml><?xml version="1.0" encoding="utf-8"?>
+<p:sld xmlns:a="http://schemas.openxmlformats.org/drawingml/2006/main" xmlns:r="http://schemas.openxmlformats.org/officeDocument/2006/relationships" xmlns:p="http://schemas.openxmlformats.org/presentationml/2006/main">
+  <p:cSld>
+    <p:spTree>
+      <p:nvGrpSpPr>
+        <p:cNvPr id="1" name=""/>
+        <p:cNvGrpSpPr/>
+        <p:nvPr/>
+      </p:nvGrpSpPr>
+      <p:grpSpPr>
+        <a:xfrm>
+          <a:off x="0" y="0"/>
+          <a:ext cx="0" cy="0"/>
+          <a:chOff x="0" y="0"/>
+          <a:chExt cx="0" cy="0"/>
+        </a:xfrm>
+      </p:grpSpPr>
+      <p:sp>
+        <p:nvSpPr>
+          <p:cNvPr id="2" name="標題 1"/>
+          <p:cNvSpPr>
+            <a:spLocks noGrp="1"/>
+          </p:cNvSpPr>
+          <p:nvPr>
+            <p:ph type="title"/>
+          </p:nvPr>
+        </p:nvSpPr>
+        <p:spPr/>
+        <p:txBody>
+          <a:bodyPr/>
+          <a:lstStyle/>
+          <a:p>
+            <a:r>
+              <a:rPr lang="en-US" altLang="zh-TW" dirty="0"/>
+              <a:t>State</a:t>
+            </a:r>
+            <a:r>
+              <a:rPr lang="zh-TW" altLang="en-US" dirty="0"/>
+              <a:t> </a:t>
+            </a:r>
+            <a:r>
+              <a:rPr lang="en-US" altLang="zh-TW" dirty="0"/>
+              <a:t>Pattern</a:t>
+            </a:r>
+            <a:r>
+              <a:rPr lang="zh-TW" altLang="en-US" dirty="0"/>
+              <a:t> </a:t>
+            </a:r>
+            <a:r>
+              <a:rPr lang="en-US" altLang="zh-TW" dirty="0"/>
+              <a:t>(</a:t>
+            </a:r>
+            <a:r>
+              <a:rPr lang="zh-TW" altLang="en-US" dirty="0"/>
+              <a:t> 狀態範式 </a:t>
+            </a:r>
+            <a:r>
+              <a:rPr lang="en-US" altLang="zh-TW" dirty="0"/>
+              <a:t>)</a:t>
+            </a:r>
+            <a:endParaRPr lang="en-US" dirty="0"/>
+          </a:p>
+        </p:txBody>
+      </p:sp>
+      <p:sp>
+        <p:nvSpPr>
+          <p:cNvPr id="3" name="內容版面配置區 2"/>
+          <p:cNvSpPr>
+            <a:spLocks noGrp="1"/>
+          </p:cNvSpPr>
+          <p:nvPr>
+            <p:ph idx="1"/>
+          </p:nvPr>
+        </p:nvSpPr>
+        <p:spPr/>
+        <p:txBody>
+          <a:bodyPr/>
+          <a:lstStyle/>
+          <a:p>
+            <a:pPr marL="274320" lvl="1" indent="-274320">
+              <a:buClr>
+                <a:schemeClr val="accent3"/>
+              </a:buClr>
+              <a:buSzPct val="95000"/>
+            </a:pPr>
+            <a:r>
+              <a:rPr lang="zh-TW" altLang="en-US" dirty="0" smtClean="0"/>
+              <a:t>再來是 </a:t>
+            </a:r>
+            <a:r>
+              <a:rPr lang="en-US" altLang="zh-TW" dirty="0" smtClean="0"/>
+              <a:t>Move Method</a:t>
+            </a:r>
+            <a:r>
+              <a:rPr lang="zh-TW" altLang="en-US" dirty="0" smtClean="0"/>
+              <a:t> </a:t>
+            </a:r>
+            <a:r>
+              <a:rPr lang="en-US" altLang="zh-TW" dirty="0" smtClean="0"/>
+              <a:t>&amp;</a:t>
+            </a:r>
+            <a:r>
+              <a:rPr lang="zh-TW" altLang="en-US" dirty="0" smtClean="0"/>
+              <a:t> </a:t>
+            </a:r>
+            <a:r>
+              <a:rPr lang="en-US" altLang="zh-TW" dirty="0" smtClean="0"/>
+              <a:t>Replace </a:t>
+            </a:r>
+            <a:r>
+              <a:rPr lang="en-US" altLang="zh-TW" dirty="0"/>
+              <a:t>Conditional with </a:t>
+            </a:r>
+            <a:r>
+              <a:rPr lang="en-US" altLang="zh-TW" dirty="0" smtClean="0"/>
+              <a:t>Polymorphism</a:t>
+            </a:r>
+          </a:p>
+          <a:p>
+            <a:r>
+              <a:rPr lang="zh-TW" altLang="en-US" dirty="0" smtClean="0"/>
+              <a:t>舉一反三囉</a:t>
+            </a:r>
+            <a:endParaRPr lang="en-US" dirty="0"/>
+          </a:p>
+        </p:txBody>
+      </p:sp>
+      <p:pic>
+        <p:nvPicPr>
+          <p:cNvPr id="5" name="圖片 4"/>
+          <p:cNvPicPr>
+            <a:picLocks noChangeAspect="1"/>
+          </p:cNvPicPr>
+          <p:nvPr/>
+        </p:nvPicPr>
+        <p:blipFill>
+          <a:blip r:embed="rId2">
+            <a:extLst>
+              <a:ext uri="{28A0092B-C50C-407E-A947-70E740481C1C}">
+                <a14:useLocalDpi xmlns:a14="http://schemas.microsoft.com/office/drawing/2010/main" val="0"/>
+              </a:ext>
+            </a:extLst>
+          </a:blip>
+          <a:stretch>
+            <a:fillRect/>
+          </a:stretch>
+        </p:blipFill>
+        <p:spPr>
+          <a:xfrm>
+            <a:off x="2555776" y="2796208"/>
+            <a:ext cx="6420518" cy="3528392"/>
+          </a:xfrm>
+          <a:prstGeom prst="rect">
+            <a:avLst/>
+          </a:prstGeom>
+        </p:spPr>
+      </p:pic>
+    </p:spTree>
+    <p:extLst>
+      <p:ext uri="{BB962C8B-B14F-4D97-AF65-F5344CB8AC3E}">
+        <p14:creationId xmlns:p14="http://schemas.microsoft.com/office/powerpoint/2010/main" val="2192499511"/>
+      </p:ext>
+    </p:extLst>
+  </p:cSld>
+  <p:clrMapOvr>
+    <a:masterClrMapping/>
+  </p:clrMapOvr>
+</p:sld>
+</file>
+
+<file path=ppt/slides/slide41.xml><?xml version="1.0" encoding="utf-8"?>
+<p:sld xmlns:a="http://schemas.openxmlformats.org/drawingml/2006/main" xmlns:r="http://schemas.openxmlformats.org/officeDocument/2006/relationships" xmlns:p="http://schemas.openxmlformats.org/presentationml/2006/main">
+  <p:cSld>
+    <p:spTree>
+      <p:nvGrpSpPr>
+        <p:cNvPr id="1" name=""/>
+        <p:cNvGrpSpPr/>
+        <p:nvPr/>
+      </p:nvGrpSpPr>
+      <p:grpSpPr>
+        <a:xfrm>
+          <a:off x="0" y="0"/>
+          <a:ext cx="0" cy="0"/>
+          <a:chOff x="0" y="0"/>
+          <a:chExt cx="0" cy="0"/>
+        </a:xfrm>
+      </p:grpSpPr>
+      <p:sp>
+        <p:nvSpPr>
+          <p:cNvPr id="2" name="標題 1"/>
+          <p:cNvSpPr>
+            <a:spLocks noGrp="1"/>
+          </p:cNvSpPr>
+          <p:nvPr>
+            <p:ph type="title"/>
+          </p:nvPr>
+        </p:nvSpPr>
+        <p:spPr/>
+        <p:txBody>
+          <a:bodyPr/>
+          <a:lstStyle/>
+          <a:p>
+            <a:endParaRPr lang="en-US" dirty="0"/>
+          </a:p>
+        </p:txBody>
+      </p:sp>
+      <p:pic>
+        <p:nvPicPr>
+          <p:cNvPr id="4" name="內容版面配置區 3"/>
+          <p:cNvPicPr>
+            <a:picLocks noGrp="1" noChangeAspect="1"/>
+          </p:cNvPicPr>
+          <p:nvPr>
+            <p:ph idx="1"/>
+          </p:nvPr>
+        </p:nvPicPr>
+        <p:blipFill>
+          <a:blip r:embed="rId2">
+            <a:extLst>
+              <a:ext uri="{28A0092B-C50C-407E-A947-70E740481C1C}">
+                <a14:useLocalDpi xmlns:a14="http://schemas.microsoft.com/office/drawing/2010/main" val="0"/>
+              </a:ext>
+            </a:extLst>
+          </a:blip>
+          <a:stretch>
+            <a:fillRect/>
+          </a:stretch>
+        </p:blipFill>
+        <p:spPr>
+          <a:xfrm>
+            <a:off x="0" y="0"/>
+            <a:ext cx="9144000" cy="6948264"/>
+          </a:xfrm>
+        </p:spPr>
+      </p:pic>
+    </p:spTree>
+    <p:extLst>
+      <p:ext uri="{BB962C8B-B14F-4D97-AF65-F5344CB8AC3E}">
+        <p14:creationId xmlns:p14="http://schemas.microsoft.com/office/powerpoint/2010/main" val="3469859170"/>
+      </p:ext>
+    </p:extLst>
+  </p:cSld>
+  <p:clrMapOvr>
+    <a:masterClrMapping/>
+  </p:clrMapOvr>
+</p:sld>
+</file>
+
+<file path=ppt/slides/slide42.xml><?xml version="1.0" encoding="utf-8"?>
+<p:sld xmlns:a="http://schemas.openxmlformats.org/drawingml/2006/main" xmlns:r="http://schemas.openxmlformats.org/officeDocument/2006/relationships" xmlns:p="http://schemas.openxmlformats.org/presentationml/2006/main">
+  <p:cSld>
+    <p:spTree>
+      <p:nvGrpSpPr>
+        <p:cNvPr id="1" name=""/>
+        <p:cNvGrpSpPr/>
+        <p:nvPr/>
+      </p:nvGrpSpPr>
+      <p:grpSpPr>
+        <a:xfrm>
+          <a:off x="0" y="0"/>
+          <a:ext cx="0" cy="0"/>
+          <a:chOff x="0" y="0"/>
+          <a:chExt cx="0" cy="0"/>
+        </a:xfrm>
+      </p:grpSpPr>
+      <p:sp>
+        <p:nvSpPr>
+          <p:cNvPr id="2" name="標題 1"/>
+          <p:cNvSpPr>
+            <a:spLocks noGrp="1"/>
+          </p:cNvSpPr>
+          <p:nvPr>
+            <p:ph type="title"/>
+          </p:nvPr>
+        </p:nvSpPr>
+        <p:spPr/>
+        <p:txBody>
+          <a:bodyPr/>
+          <a:lstStyle/>
+          <a:p>
+            <a:endParaRPr lang="en-US"/>
+          </a:p>
+        </p:txBody>
+      </p:sp>
+      <p:pic>
+        <p:nvPicPr>
+          <p:cNvPr id="4" name="內容版面配置區 3"/>
+          <p:cNvPicPr>
+            <a:picLocks noGrp="1" noChangeAspect="1"/>
+          </p:cNvPicPr>
+          <p:nvPr>
+            <p:ph idx="1"/>
+          </p:nvPr>
+        </p:nvPicPr>
+        <p:blipFill>
+          <a:blip r:embed="rId2">
+            <a:extLst>
+              <a:ext uri="{28A0092B-C50C-407E-A947-70E740481C1C}">
+                <a14:useLocalDpi xmlns:a14="http://schemas.microsoft.com/office/drawing/2010/main" val="0"/>
+              </a:ext>
+            </a:extLst>
+          </a:blip>
+          <a:stretch>
+            <a:fillRect/>
+          </a:stretch>
+        </p:blipFill>
+        <p:spPr>
+          <a:xfrm>
+            <a:off x="0" y="14761"/>
+            <a:ext cx="9144000" cy="6810910"/>
+          </a:xfrm>
+        </p:spPr>
+      </p:pic>
+    </p:spTree>
+    <p:extLst>
+      <p:ext uri="{BB962C8B-B14F-4D97-AF65-F5344CB8AC3E}">
+        <p14:creationId xmlns:p14="http://schemas.microsoft.com/office/powerpoint/2010/main" val="3014126765"/>
+      </p:ext>
+    </p:extLst>
+  </p:cSld>
+  <p:clrMapOvr>
+    <a:masterClrMapping/>
+  </p:clrMapOvr>
+</p:sld>
+</file>
+
+<file path=ppt/slides/slide43.xml><?xml version="1.0" encoding="utf-8"?>
+<p:sld xmlns:a="http://schemas.openxmlformats.org/drawingml/2006/main" xmlns:r="http://schemas.openxmlformats.org/officeDocument/2006/relationships" xmlns:p="http://schemas.openxmlformats.org/presentationml/2006/main">
+  <p:cSld>
+    <p:spTree>
+      <p:nvGrpSpPr>
+        <p:cNvPr id="1" name=""/>
+        <p:cNvGrpSpPr/>
+        <p:nvPr/>
+      </p:nvGrpSpPr>
+      <p:grpSpPr>
+        <a:xfrm>
+          <a:off x="0" y="0"/>
+          <a:ext cx="0" cy="0"/>
+          <a:chOff x="0" y="0"/>
+          <a:chExt cx="0" cy="0"/>
+        </a:xfrm>
+      </p:grpSpPr>
+      <p:sp>
+        <p:nvSpPr>
+          <p:cNvPr id="2" name="標題 1"/>
+          <p:cNvSpPr>
+            <a:spLocks noGrp="1"/>
+          </p:cNvSpPr>
+          <p:nvPr>
+            <p:ph type="title"/>
+          </p:nvPr>
+        </p:nvSpPr>
+        <p:spPr/>
+        <p:txBody>
+          <a:bodyPr/>
+          <a:lstStyle/>
+          <a:p>
+            <a:r>
+              <a:rPr lang="en-US" altLang="zh-TW" dirty="0"/>
+              <a:t>State</a:t>
+            </a:r>
+            <a:r>
+              <a:rPr lang="zh-TW" altLang="en-US" dirty="0"/>
+              <a:t> </a:t>
+            </a:r>
+            <a:r>
+              <a:rPr lang="en-US" altLang="zh-TW" dirty="0"/>
+              <a:t>Pattern</a:t>
+            </a:r>
+            <a:r>
+              <a:rPr lang="zh-TW" altLang="en-US" dirty="0"/>
+              <a:t> </a:t>
+            </a:r>
+            <a:r>
+              <a:rPr lang="en-US" altLang="zh-TW" dirty="0"/>
+              <a:t>(</a:t>
+            </a:r>
+            <a:r>
+              <a:rPr lang="zh-TW" altLang="en-US" dirty="0"/>
+              <a:t> 狀態</a:t>
+            </a:r>
+            <a:r>
+              <a:rPr lang="zh-TW" altLang="en-US" dirty="0" smtClean="0"/>
+              <a:t>範式 </a:t>
+            </a:r>
+            <a:r>
+              <a:rPr lang="en-US" altLang="zh-TW" dirty="0" smtClean="0"/>
+              <a:t>)</a:t>
+            </a:r>
+            <a:endParaRPr lang="en-US" dirty="0"/>
+          </a:p>
+        </p:txBody>
+      </p:sp>
+      <p:pic>
+        <p:nvPicPr>
+          <p:cNvPr id="4" name="內容版面配置區 3"/>
+          <p:cNvPicPr>
+            <a:picLocks noGrp="1" noChangeAspect="1"/>
+          </p:cNvPicPr>
+          <p:nvPr>
+            <p:ph idx="1"/>
+          </p:nvPr>
+        </p:nvPicPr>
+        <p:blipFill>
+          <a:blip r:embed="rId2">
+            <a:extLst>
+              <a:ext uri="{28A0092B-C50C-407E-A947-70E740481C1C}">
+                <a14:useLocalDpi xmlns:a14="http://schemas.microsoft.com/office/drawing/2010/main" val="0"/>
+              </a:ext>
+            </a:extLst>
+          </a:blip>
+          <a:stretch>
+            <a:fillRect/>
+          </a:stretch>
+        </p:blipFill>
+        <p:spPr>
+          <a:xfrm>
+            <a:off x="251520" y="1847088"/>
+            <a:ext cx="5872305" cy="5326328"/>
+          </a:xfrm>
+        </p:spPr>
+      </p:pic>
+      <p:sp>
+        <p:nvSpPr>
+          <p:cNvPr id="5" name="文字方塊 4"/>
+          <p:cNvSpPr txBox="1"/>
+          <p:nvPr/>
+        </p:nvSpPr>
+        <p:spPr>
+          <a:xfrm>
+            <a:off x="6012160" y="2348880"/>
+            <a:ext cx="3816424" cy="1938992"/>
+          </a:xfrm>
+          <a:prstGeom prst="rect">
+            <a:avLst/>
+          </a:prstGeom>
+          <a:noFill/>
+        </p:spPr>
+        <p:txBody>
+          <a:bodyPr wrap="square" rtlCol="0">
+            <a:spAutoFit/>
+          </a:bodyPr>
+          <a:lstStyle/>
+          <a:p>
+            <a:r>
+              <a:rPr lang="zh-TW" altLang="en-US" sz="2000" dirty="0" smtClean="0"/>
+              <a:t>大概比較一下</a:t>
+            </a:r>
+            <a:endParaRPr lang="en-US" altLang="zh-TW" sz="2000" dirty="0" smtClean="0"/>
+          </a:p>
+          <a:p>
+            <a:r>
+              <a:rPr lang="en-US" sz="2000" dirty="0" smtClean="0"/>
+              <a:t>days = state = </a:t>
+            </a:r>
+            <a:r>
+              <a:rPr lang="zh-TW" altLang="en-US" sz="2000" dirty="0" smtClean="0"/>
+              <a:t>燈號</a:t>
+            </a:r>
+            <a:endParaRPr lang="en-US" altLang="zh-TW" sz="2000" dirty="0" smtClean="0"/>
+          </a:p>
+          <a:p>
+            <a:r>
+              <a:rPr lang="en-US" sz="2000" dirty="0" err="1" smtClean="0"/>
+              <a:t>getCha</a:t>
+            </a:r>
+            <a:r>
+              <a:rPr lang="en-US" sz="2000" dirty="0" smtClean="0"/>
+              <a:t> </a:t>
+            </a:r>
+            <a:r>
+              <a:rPr lang="zh-TW" altLang="en-US" sz="2000" dirty="0" smtClean="0"/>
+              <a:t>或 </a:t>
+            </a:r>
+            <a:r>
+              <a:rPr lang="en-US" altLang="zh-TW" sz="2000" dirty="0" err="1" smtClean="0"/>
+              <a:t>getFre</a:t>
+            </a:r>
+            <a:r>
+              <a:rPr lang="en-US" altLang="zh-TW" sz="2000" dirty="0" smtClean="0"/>
+              <a:t> = change</a:t>
+            </a:r>
+          </a:p>
+          <a:p>
+            <a:r>
+              <a:rPr lang="en-US" sz="2000" dirty="0" smtClean="0"/>
+              <a:t>Movie </a:t>
+            </a:r>
+            <a:r>
+              <a:rPr lang="en-US" sz="2000" b="1" dirty="0" smtClean="0"/>
+              <a:t>≒</a:t>
+            </a:r>
+            <a:r>
+              <a:rPr lang="zh-TW" altLang="en-US" sz="2000" b="1" dirty="0"/>
+              <a:t> </a:t>
+            </a:r>
+            <a:r>
+              <a:rPr lang="en-US" sz="2000" dirty="0" err="1" smtClean="0"/>
+              <a:t>TrafficLight</a:t>
+            </a:r>
+            <a:endParaRPr lang="en-US" sz="2000" dirty="0" smtClean="0"/>
+          </a:p>
+          <a:p>
+            <a:r>
+              <a:rPr lang="en-US" altLang="zh-TW" sz="2000" dirty="0" smtClean="0"/>
+              <a:t>Price = Light</a:t>
+            </a:r>
+          </a:p>
+          <a:p>
+            <a:r>
+              <a:rPr lang="zh-TW" altLang="en-US" sz="2000" dirty="0" smtClean="0"/>
+              <a:t>三種影片分類 </a:t>
+            </a:r>
+            <a:r>
+              <a:rPr lang="en-US" altLang="zh-TW" sz="2000" dirty="0" smtClean="0"/>
+              <a:t>=</a:t>
+            </a:r>
+            <a:r>
+              <a:rPr lang="zh-TW" altLang="en-US" sz="2000" dirty="0" smtClean="0"/>
+              <a:t> 三種燈號</a:t>
+            </a:r>
+            <a:endParaRPr lang="en-US" sz="2000" dirty="0"/>
+          </a:p>
+        </p:txBody>
+      </p:sp>
+    </p:spTree>
+    <p:extLst>
+      <p:ext uri="{BB962C8B-B14F-4D97-AF65-F5344CB8AC3E}">
+        <p14:creationId xmlns:p14="http://schemas.microsoft.com/office/powerpoint/2010/main" val="3955953731"/>
+      </p:ext>
+    </p:extLst>
+  </p:cSld>
+  <p:clrMapOvr>
+    <a:masterClrMapping/>
+  </p:clrMapOvr>
+</p:sld>
+</file>
+
+<file path=ppt/slides/slide44.xml><?xml version="1.0" encoding="utf-8"?>
+<p:sld xmlns:a="http://schemas.openxmlformats.org/drawingml/2006/main" xmlns:r="http://schemas.openxmlformats.org/officeDocument/2006/relationships" xmlns:p="http://schemas.openxmlformats.org/presentationml/2006/main">
+  <p:cSld>
+    <p:spTree>
+      <p:nvGrpSpPr>
+        <p:cNvPr id="1" name=""/>
+        <p:cNvGrpSpPr/>
+        <p:nvPr/>
+      </p:nvGrpSpPr>
+      <p:grpSpPr>
+        <a:xfrm>
+          <a:off x="0" y="0"/>
+          <a:ext cx="0" cy="0"/>
+          <a:chOff x="0" y="0"/>
+          <a:chExt cx="0" cy="0"/>
+        </a:xfrm>
+      </p:grpSpPr>
+      <p:sp>
+        <p:nvSpPr>
+          <p:cNvPr id="2" name="標題 1"/>
+          <p:cNvSpPr>
+            <a:spLocks noGrp="1"/>
+          </p:cNvSpPr>
+          <p:nvPr>
+            <p:ph type="title"/>
+          </p:nvPr>
+        </p:nvSpPr>
+        <p:spPr/>
+        <p:txBody>
+          <a:bodyPr/>
+          <a:lstStyle/>
+          <a:p>
+            <a:r>
+              <a:rPr lang="zh-TW" altLang="en-US" dirty="0"/>
+              <a:t>結語</a:t>
+            </a:r>
+            <a:endParaRPr lang="en-US" dirty="0"/>
+          </a:p>
+        </p:txBody>
+      </p:sp>
+      <p:sp>
+        <p:nvSpPr>
+          <p:cNvPr id="3" name="內容版面配置區 2"/>
+          <p:cNvSpPr>
+            <a:spLocks noGrp="1"/>
+          </p:cNvSpPr>
+          <p:nvPr>
+            <p:ph idx="1"/>
+          </p:nvPr>
+        </p:nvSpPr>
+        <p:spPr>
+          <a:xfrm>
+            <a:off x="482933" y="1963933"/>
+            <a:ext cx="8229600" cy="4389120"/>
+          </a:xfrm>
+        </p:spPr>
+        <p:txBody>
+          <a:bodyPr/>
+          <a:lstStyle/>
+          <a:p>
+            <a:r>
+              <a:rPr lang="zh-TW" altLang="en-US" dirty="0" smtClean="0"/>
+              <a:t>本章用簡單的例子告訴你什麼是重構</a:t>
+            </a:r>
+            <a:endParaRPr lang="en-US" altLang="zh-TW" dirty="0" smtClean="0"/>
+          </a:p>
+          <a:p>
+            <a:r>
+              <a:rPr lang="zh-TW" altLang="en-US" dirty="0" smtClean="0"/>
+              <a:t>測試、小改、測試、小改</a:t>
+            </a:r>
+            <a:r>
+              <a:rPr lang="en-US" altLang="zh-TW" dirty="0" smtClean="0"/>
+              <a:t>…</a:t>
+            </a:r>
+          </a:p>
+          <a:p>
+            <a:r>
+              <a:rPr lang="zh-TW" altLang="en-US" dirty="0" smtClean="0"/>
+              <a:t>之後幾章會開始介紹重構的原則</a:t>
+            </a:r>
+            <a:endParaRPr lang="en-US" altLang="zh-TW" dirty="0" smtClean="0"/>
+          </a:p>
+        </p:txBody>
+      </p:sp>
+      <p:pic>
+        <p:nvPicPr>
+          <p:cNvPr id="4" name="圖片 3"/>
+          <p:cNvPicPr>
+            <a:picLocks noChangeAspect="1"/>
+          </p:cNvPicPr>
+          <p:nvPr/>
+        </p:nvPicPr>
+        <p:blipFill>
+          <a:blip r:embed="rId2">
+            <a:extLst>
+              <a:ext uri="{28A0092B-C50C-407E-A947-70E740481C1C}">
+                <a14:useLocalDpi xmlns:a14="http://schemas.microsoft.com/office/drawing/2010/main" val="0"/>
+              </a:ext>
+            </a:extLst>
+          </a:blip>
+          <a:stretch>
+            <a:fillRect/>
+          </a:stretch>
+        </p:blipFill>
+        <p:spPr>
+          <a:xfrm>
+            <a:off x="3635896" y="3472733"/>
+            <a:ext cx="2160240" cy="2880320"/>
+          </a:xfrm>
+          <a:prstGeom prst="rect">
+            <a:avLst/>
+          </a:prstGeom>
+        </p:spPr>
+      </p:pic>
+    </p:spTree>
+    <p:extLst>
+      <p:ext uri="{BB962C8B-B14F-4D97-AF65-F5344CB8AC3E}">
+        <p14:creationId xmlns:p14="http://schemas.microsoft.com/office/powerpoint/2010/main" val="3028723184"/>
+      </p:ext>
+    </p:extLst>
+  </p:cSld>
+  <p:clrMapOvr>
+    <a:masterClrMapping/>
+  </p:clrMapOvr>
+</p:sld>
+</file>
+
+<file path=ppt/slides/slide45.xml><?xml version="1.0" encoding="utf-8"?>
+<p:sld xmlns:a="http://schemas.openxmlformats.org/drawingml/2006/main" xmlns:r="http://schemas.openxmlformats.org/officeDocument/2006/relationships" xmlns:p="http://schemas.openxmlformats.org/presentationml/2006/main">
+  <p:cSld>
+    <p:spTree>
+      <p:nvGrpSpPr>
+        <p:cNvPr id="1" name=""/>
+        <p:cNvGrpSpPr/>
+        <p:nvPr/>
+      </p:nvGrpSpPr>
+      <p:grpSpPr>
+        <a:xfrm>
+          <a:off x="0" y="0"/>
+          <a:ext cx="0" cy="0"/>
+          <a:chOff x="0" y="0"/>
+          <a:chExt cx="0" cy="0"/>
+        </a:xfrm>
+      </p:grpSpPr>
+      <p:sp>
+        <p:nvSpPr>
+          <p:cNvPr id="2" name="標題 1"/>
+          <p:cNvSpPr>
+            <a:spLocks noGrp="1"/>
+          </p:cNvSpPr>
+          <p:nvPr>
+            <p:ph type="title"/>
+          </p:nvPr>
+        </p:nvSpPr>
+        <p:spPr/>
+        <p:txBody>
+          <a:bodyPr/>
+          <a:lstStyle/>
+          <a:p>
+            <a:r>
+              <a:rPr lang="zh-TW" altLang="en-US" dirty="0" smtClean="0"/>
+              <a:t>參考資料</a:t>
+            </a:r>
+            <a:endParaRPr lang="en-US" dirty="0"/>
+          </a:p>
+        </p:txBody>
+      </p:sp>
+      <p:sp>
+        <p:nvSpPr>
+          <p:cNvPr id="3" name="內容版面配置區 2"/>
+          <p:cNvSpPr>
+            <a:spLocks noGrp="1"/>
+          </p:cNvSpPr>
+          <p:nvPr>
+            <p:ph idx="1"/>
+          </p:nvPr>
+        </p:nvSpPr>
+        <p:spPr/>
+        <p:txBody>
+          <a:bodyPr/>
+          <a:lstStyle/>
+          <a:p>
+            <a:r>
+              <a:rPr lang="zh-TW" altLang="en-US" dirty="0" smtClean="0">
+                <a:solidFill>
+                  <a:schemeClr val="tx2">
+                    <a:lumMod val="40000"/>
+                    <a:lumOff val="60000"/>
+                  </a:schemeClr>
+                </a:solidFill>
+                <a:hlinkClick r:id="rId2"/>
+              </a:rPr>
+              <a:t>課本試閱版</a:t>
+            </a:r>
+            <a:endParaRPr lang="en-US" altLang="zh-TW" dirty="0" smtClean="0">
+              <a:solidFill>
+                <a:schemeClr val="tx2">
+                  <a:lumMod val="40000"/>
+                  <a:lumOff val="60000"/>
+                </a:schemeClr>
+              </a:solidFill>
+            </a:endParaRPr>
+          </a:p>
+          <a:p>
+            <a:r>
+              <a:rPr lang="zh-TW" altLang="en-US" dirty="0" smtClean="0">
+                <a:hlinkClick r:id="rId3"/>
+              </a:rPr>
+              <a:t>對於重構的兩則常見誤解</a:t>
+            </a:r>
+            <a:endParaRPr lang="en-US" altLang="zh-TW" dirty="0" smtClean="0"/>
+          </a:p>
+          <a:p>
+            <a:r>
+              <a:rPr lang="zh-TW" altLang="en-US" dirty="0" smtClean="0">
+                <a:hlinkClick r:id="rId4"/>
+              </a:rPr>
+              <a:t>重構程式碼與演算法</a:t>
+            </a:r>
+            <a:endParaRPr lang="en-US" altLang="zh-TW" dirty="0" smtClean="0"/>
+          </a:p>
+          <a:p>
+            <a:r>
+              <a:rPr lang="en-US" dirty="0" smtClean="0">
+                <a:hlinkClick r:id="rId5"/>
+              </a:rPr>
+              <a:t>Replace Temp with </a:t>
+            </a:r>
+            <a:r>
+              <a:rPr lang="en-US" dirty="0" smtClean="0">
+                <a:hlinkClick r:id="rId5"/>
+              </a:rPr>
+              <a:t>Query</a:t>
+            </a:r>
+            <a:endParaRPr lang="en-US" dirty="0" smtClean="0"/>
+          </a:p>
+          <a:p>
+            <a:r>
+              <a:rPr lang="en-US" dirty="0" smtClean="0">
+                <a:hlinkClick r:id="rId6"/>
+              </a:rPr>
+              <a:t>State Pattern</a:t>
+            </a:r>
+            <a:endParaRPr lang="en-US" dirty="0"/>
+          </a:p>
+        </p:txBody>
+      </p:sp>
+    </p:spTree>
+    <p:extLst>
+      <p:ext uri="{BB962C8B-B14F-4D97-AF65-F5344CB8AC3E}">
+        <p14:creationId xmlns:p14="http://schemas.microsoft.com/office/powerpoint/2010/main" val="2756827831"/>
+      </p:ext>
+    </p:extLst>
+  </p:cSld>
+  <p:clrMapOvr>
+    <a:masterClrMapping/>
+  </p:clrMapOvr>
 </p:sld>
 </file>
 
